--- a/Competitory.pptx
+++ b/Competitory.pptx
@@ -11,11 +11,12 @@
   <p:sldIdLst>
     <p:sldId id="256" r:id="rId6"/>
     <p:sldId id="257" r:id="rId7"/>
-    <p:sldId id="258" r:id="rId8"/>
-    <p:sldId id="276" r:id="rId9"/>
-    <p:sldId id="277" r:id="rId10"/>
-    <p:sldId id="271" r:id="rId11"/>
-    <p:sldId id="265" r:id="rId12"/>
+    <p:sldId id="278" r:id="rId8"/>
+    <p:sldId id="258" r:id="rId9"/>
+    <p:sldId id="276" r:id="rId10"/>
+    <p:sldId id="277" r:id="rId11"/>
+    <p:sldId id="271" r:id="rId12"/>
+    <p:sldId id="265" r:id="rId13"/>
   </p:sldIdLst>
   <p:sldSz cx="12192000" cy="6858000"/>
   <p:notesSz cx="6858000" cy="9144000"/>
@@ -3482,7 +3483,7 @@
           <a:p>
             <a:fld id="{6017A3B7-5F42-4422-B7DB-017E9499209B}" type="datetimeFigureOut">
               <a:rPr lang="es-CL" smtClean="0"/>
-              <a:t>11-07-2025</a:t>
+              <a:t>17-07-2025</a:t>
             </a:fld>
             <a:endParaRPr lang="es-CL" dirty="0"/>
           </a:p>
@@ -3812,7 +3813,7 @@
           <a:p>
             <a:fld id="{6017A3B7-5F42-4422-B7DB-017E9499209B}" type="datetimeFigureOut">
               <a:rPr lang="es-CL" smtClean="0"/>
-              <a:t>11-07-2025</a:t>
+              <a:t>17-07-2025</a:t>
             </a:fld>
             <a:endParaRPr lang="es-CL" dirty="0"/>
           </a:p>
@@ -3992,7 +3993,7 @@
           <a:p>
             <a:fld id="{6017A3B7-5F42-4422-B7DB-017E9499209B}" type="datetimeFigureOut">
               <a:rPr lang="es-CL" smtClean="0"/>
-              <a:t>11-07-2025</a:t>
+              <a:t>17-07-2025</a:t>
             </a:fld>
             <a:endParaRPr lang="es-CL" dirty="0"/>
           </a:p>
@@ -4238,7 +4239,7 @@
           <a:p>
             <a:fld id="{CE754D28-0065-4E3B-8554-9680FCAB8705}" type="datetimeFigureOut">
               <a:rPr lang="es-CL" smtClean="0"/>
-              <a:t>11-07-2025</a:t>
+              <a:t>17-07-2025</a:t>
             </a:fld>
             <a:endParaRPr lang="es-CL"/>
           </a:p>
@@ -4408,7 +4409,7 @@
           <a:p>
             <a:fld id="{CE754D28-0065-4E3B-8554-9680FCAB8705}" type="datetimeFigureOut">
               <a:rPr lang="es-CL" smtClean="0"/>
-              <a:t>11-07-2025</a:t>
+              <a:t>17-07-2025</a:t>
             </a:fld>
             <a:endParaRPr lang="es-CL"/>
           </a:p>
@@ -4652,7 +4653,7 @@
           <a:p>
             <a:fld id="{CE754D28-0065-4E3B-8554-9680FCAB8705}" type="datetimeFigureOut">
               <a:rPr lang="es-CL" smtClean="0"/>
-              <a:t>11-07-2025</a:t>
+              <a:t>17-07-2025</a:t>
             </a:fld>
             <a:endParaRPr lang="es-CL"/>
           </a:p>
@@ -4888,7 +4889,7 @@
           <a:p>
             <a:fld id="{CE754D28-0065-4E3B-8554-9680FCAB8705}" type="datetimeFigureOut">
               <a:rPr lang="es-CL" smtClean="0"/>
-              <a:t>11-07-2025</a:t>
+              <a:t>17-07-2025</a:t>
             </a:fld>
             <a:endParaRPr lang="es-CL"/>
           </a:p>
@@ -5354,7 +5355,7 @@
           <a:p>
             <a:fld id="{CE754D28-0065-4E3B-8554-9680FCAB8705}" type="datetimeFigureOut">
               <a:rPr lang="es-CL" smtClean="0"/>
-              <a:t>11-07-2025</a:t>
+              <a:t>17-07-2025</a:t>
             </a:fld>
             <a:endParaRPr lang="es-CL"/>
           </a:p>
@@ -5472,7 +5473,7 @@
           <a:p>
             <a:fld id="{CE754D28-0065-4E3B-8554-9680FCAB8705}" type="datetimeFigureOut">
               <a:rPr lang="es-CL" smtClean="0"/>
-              <a:t>11-07-2025</a:t>
+              <a:t>17-07-2025</a:t>
             </a:fld>
             <a:endParaRPr lang="es-CL"/>
           </a:p>
@@ -5567,7 +5568,7 @@
           <a:p>
             <a:fld id="{CE754D28-0065-4E3B-8554-9680FCAB8705}" type="datetimeFigureOut">
               <a:rPr lang="es-CL" smtClean="0"/>
-              <a:t>11-07-2025</a:t>
+              <a:t>17-07-2025</a:t>
             </a:fld>
             <a:endParaRPr lang="es-CL"/>
           </a:p>
@@ -5822,7 +5823,7 @@
           <a:p>
             <a:fld id="{CE754D28-0065-4E3B-8554-9680FCAB8705}" type="datetimeFigureOut">
               <a:rPr lang="es-CL" smtClean="0"/>
-              <a:t>11-07-2025</a:t>
+              <a:t>17-07-2025</a:t>
             </a:fld>
             <a:endParaRPr lang="es-CL"/>
           </a:p>
@@ -5992,7 +5993,7 @@
           <a:p>
             <a:fld id="{6017A3B7-5F42-4422-B7DB-017E9499209B}" type="datetimeFigureOut">
               <a:rPr lang="es-CL" smtClean="0"/>
-              <a:t>11-07-2025</a:t>
+              <a:t>17-07-2025</a:t>
             </a:fld>
             <a:endParaRPr lang="es-CL" dirty="0"/>
           </a:p>
@@ -6292,7 +6293,7 @@
           <a:p>
             <a:fld id="{CE754D28-0065-4E3B-8554-9680FCAB8705}" type="datetimeFigureOut">
               <a:rPr lang="es-CL" smtClean="0"/>
-              <a:t>11-07-2025</a:t>
+              <a:t>17-07-2025</a:t>
             </a:fld>
             <a:endParaRPr lang="es-CL"/>
           </a:p>
@@ -6590,7 +6591,7 @@
           <a:p>
             <a:fld id="{CE754D28-0065-4E3B-8554-9680FCAB8705}" type="datetimeFigureOut">
               <a:rPr lang="es-CL" smtClean="0"/>
-              <a:t>11-07-2025</a:t>
+              <a:t>17-07-2025</a:t>
             </a:fld>
             <a:endParaRPr lang="es-CL"/>
           </a:p>
@@ -6782,7 +6783,7 @@
           <a:p>
             <a:fld id="{CE754D28-0065-4E3B-8554-9680FCAB8705}" type="datetimeFigureOut">
               <a:rPr lang="es-CL" smtClean="0"/>
-              <a:t>11-07-2025</a:t>
+              <a:t>17-07-2025</a:t>
             </a:fld>
             <a:endParaRPr lang="es-CL"/>
           </a:p>
@@ -7043,7 +7044,7 @@
           <a:p>
             <a:fld id="{CE754D28-0065-4E3B-8554-9680FCAB8705}" type="datetimeFigureOut">
               <a:rPr lang="es-CL" smtClean="0"/>
-              <a:t>11-07-2025</a:t>
+              <a:t>17-07-2025</a:t>
             </a:fld>
             <a:endParaRPr lang="es-CL"/>
           </a:p>
@@ -7467,7 +7468,7 @@
           <a:p>
             <a:fld id="{CE754D28-0065-4E3B-8554-9680FCAB8705}" type="datetimeFigureOut">
               <a:rPr lang="es-CL" smtClean="0"/>
-              <a:t>11-07-2025</a:t>
+              <a:t>17-07-2025</a:t>
             </a:fld>
             <a:endParaRPr lang="es-CL"/>
           </a:p>
@@ -8004,7 +8005,7 @@
           <a:p>
             <a:fld id="{CE754D28-0065-4E3B-8554-9680FCAB8705}" type="datetimeFigureOut">
               <a:rPr lang="es-CL" smtClean="0"/>
-              <a:t>11-07-2025</a:t>
+              <a:t>17-07-2025</a:t>
             </a:fld>
             <a:endParaRPr lang="es-CL"/>
           </a:p>
@@ -8868,7 +8869,7 @@
           <a:p>
             <a:fld id="{CE754D28-0065-4E3B-8554-9680FCAB8705}" type="datetimeFigureOut">
               <a:rPr lang="es-CL" smtClean="0"/>
-              <a:t>11-07-2025</a:t>
+              <a:t>17-07-2025</a:t>
             </a:fld>
             <a:endParaRPr lang="es-CL"/>
           </a:p>
@@ -9038,7 +9039,7 @@
           <a:p>
             <a:fld id="{CE754D28-0065-4E3B-8554-9680FCAB8705}" type="datetimeFigureOut">
               <a:rPr lang="es-CL" smtClean="0"/>
-              <a:t>11-07-2025</a:t>
+              <a:t>17-07-2025</a:t>
             </a:fld>
             <a:endParaRPr lang="es-CL"/>
           </a:p>
@@ -9222,7 +9223,7 @@
           <a:p>
             <a:fld id="{CE754D28-0065-4E3B-8554-9680FCAB8705}" type="datetimeFigureOut">
               <a:rPr lang="es-CL" smtClean="0"/>
-              <a:t>11-07-2025</a:t>
+              <a:t>17-07-2025</a:t>
             </a:fld>
             <a:endParaRPr lang="es-CL"/>
           </a:p>
@@ -9468,7 +9469,7 @@
           <a:p>
             <a:fld id="{CE754D28-0065-4E3B-8554-9680FCAB8705}" type="datetimeFigureOut">
               <a:rPr lang="es-CL" smtClean="0"/>
-              <a:t>11-07-2025</a:t>
+              <a:t>17-07-2025</a:t>
             </a:fld>
             <a:endParaRPr lang="es-CL"/>
           </a:p>
@@ -9745,7 +9746,7 @@
           <a:p>
             <a:fld id="{6017A3B7-5F42-4422-B7DB-017E9499209B}" type="datetimeFigureOut">
               <a:rPr lang="es-CL" smtClean="0"/>
-              <a:t>11-07-2025</a:t>
+              <a:t>17-07-2025</a:t>
             </a:fld>
             <a:endParaRPr lang="es-CL" dirty="0"/>
           </a:p>
@@ -9997,7 +9998,7 @@
           <a:p>
             <a:fld id="{CE754D28-0065-4E3B-8554-9680FCAB8705}" type="datetimeFigureOut">
               <a:rPr lang="es-CL" smtClean="0"/>
-              <a:t>11-07-2025</a:t>
+              <a:t>17-07-2025</a:t>
             </a:fld>
             <a:endParaRPr lang="es-CL"/>
           </a:p>
@@ -10241,7 +10242,7 @@
           <a:p>
             <a:fld id="{CE754D28-0065-4E3B-8554-9680FCAB8705}" type="datetimeFigureOut">
               <a:rPr lang="es-CL" smtClean="0"/>
-              <a:t>11-07-2025</a:t>
+              <a:t>17-07-2025</a:t>
             </a:fld>
             <a:endParaRPr lang="es-CL"/>
           </a:p>
@@ -10477,7 +10478,7 @@
           <a:p>
             <a:fld id="{CE754D28-0065-4E3B-8554-9680FCAB8705}" type="datetimeFigureOut">
               <a:rPr lang="es-CL" smtClean="0"/>
-              <a:t>11-07-2025</a:t>
+              <a:t>17-07-2025</a:t>
             </a:fld>
             <a:endParaRPr lang="es-CL"/>
           </a:p>
@@ -10943,7 +10944,7 @@
           <a:p>
             <a:fld id="{CE754D28-0065-4E3B-8554-9680FCAB8705}" type="datetimeFigureOut">
               <a:rPr lang="es-CL" smtClean="0"/>
-              <a:t>11-07-2025</a:t>
+              <a:t>17-07-2025</a:t>
             </a:fld>
             <a:endParaRPr lang="es-CL"/>
           </a:p>
@@ -11061,7 +11062,7 @@
           <a:p>
             <a:fld id="{CE754D28-0065-4E3B-8554-9680FCAB8705}" type="datetimeFigureOut">
               <a:rPr lang="es-CL" smtClean="0"/>
-              <a:t>11-07-2025</a:t>
+              <a:t>17-07-2025</a:t>
             </a:fld>
             <a:endParaRPr lang="es-CL"/>
           </a:p>
@@ -11156,7 +11157,7 @@
           <a:p>
             <a:fld id="{CE754D28-0065-4E3B-8554-9680FCAB8705}" type="datetimeFigureOut">
               <a:rPr lang="es-CL" smtClean="0"/>
-              <a:t>11-07-2025</a:t>
+              <a:t>17-07-2025</a:t>
             </a:fld>
             <a:endParaRPr lang="es-CL"/>
           </a:p>
@@ -11411,7 +11412,7 @@
           <a:p>
             <a:fld id="{CE754D28-0065-4E3B-8554-9680FCAB8705}" type="datetimeFigureOut">
               <a:rPr lang="es-CL" smtClean="0"/>
-              <a:t>11-07-2025</a:t>
+              <a:t>17-07-2025</a:t>
             </a:fld>
             <a:endParaRPr lang="es-CL"/>
           </a:p>
@@ -11711,7 +11712,7 @@
           <a:p>
             <a:fld id="{CE754D28-0065-4E3B-8554-9680FCAB8705}" type="datetimeFigureOut">
               <a:rPr lang="es-CL" smtClean="0"/>
-              <a:t>11-07-2025</a:t>
+              <a:t>17-07-2025</a:t>
             </a:fld>
             <a:endParaRPr lang="es-CL"/>
           </a:p>
@@ -12009,7 +12010,7 @@
           <a:p>
             <a:fld id="{CE754D28-0065-4E3B-8554-9680FCAB8705}" type="datetimeFigureOut">
               <a:rPr lang="es-CL" smtClean="0"/>
-              <a:t>11-07-2025</a:t>
+              <a:t>17-07-2025</a:t>
             </a:fld>
             <a:endParaRPr lang="es-CL"/>
           </a:p>
@@ -12201,7 +12202,7 @@
           <a:p>
             <a:fld id="{CE754D28-0065-4E3B-8554-9680FCAB8705}" type="datetimeFigureOut">
               <a:rPr lang="es-CL" smtClean="0"/>
-              <a:t>11-07-2025</a:t>
+              <a:t>17-07-2025</a:t>
             </a:fld>
             <a:endParaRPr lang="es-CL"/>
           </a:p>
@@ -12513,7 +12514,7 @@
           <a:p>
             <a:fld id="{6017A3B7-5F42-4422-B7DB-017E9499209B}" type="datetimeFigureOut">
               <a:rPr lang="es-CL" smtClean="0"/>
-              <a:t>11-07-2025</a:t>
+              <a:t>17-07-2025</a:t>
             </a:fld>
             <a:endParaRPr lang="es-CL" dirty="0"/>
           </a:p>
@@ -12774,7 +12775,7 @@
           <a:p>
             <a:fld id="{CE754D28-0065-4E3B-8554-9680FCAB8705}" type="datetimeFigureOut">
               <a:rPr lang="es-CL" smtClean="0"/>
-              <a:t>11-07-2025</a:t>
+              <a:t>17-07-2025</a:t>
             </a:fld>
             <a:endParaRPr lang="es-CL"/>
           </a:p>
@@ -13198,7 +13199,7 @@
           <a:p>
             <a:fld id="{CE754D28-0065-4E3B-8554-9680FCAB8705}" type="datetimeFigureOut">
               <a:rPr lang="es-CL" smtClean="0"/>
-              <a:t>11-07-2025</a:t>
+              <a:t>17-07-2025</a:t>
             </a:fld>
             <a:endParaRPr lang="es-CL"/>
           </a:p>
@@ -13735,7 +13736,7 @@
           <a:p>
             <a:fld id="{CE754D28-0065-4E3B-8554-9680FCAB8705}" type="datetimeFigureOut">
               <a:rPr lang="es-CL" smtClean="0"/>
-              <a:t>11-07-2025</a:t>
+              <a:t>17-07-2025</a:t>
             </a:fld>
             <a:endParaRPr lang="es-CL"/>
           </a:p>
@@ -14599,7 +14600,7 @@
           <a:p>
             <a:fld id="{CE754D28-0065-4E3B-8554-9680FCAB8705}" type="datetimeFigureOut">
               <a:rPr lang="es-CL" smtClean="0"/>
-              <a:t>11-07-2025</a:t>
+              <a:t>17-07-2025</a:t>
             </a:fld>
             <a:endParaRPr lang="es-CL"/>
           </a:p>
@@ -14769,7 +14770,7 @@
           <a:p>
             <a:fld id="{CE754D28-0065-4E3B-8554-9680FCAB8705}" type="datetimeFigureOut">
               <a:rPr lang="es-CL" smtClean="0"/>
-              <a:t>11-07-2025</a:t>
+              <a:t>17-07-2025</a:t>
             </a:fld>
             <a:endParaRPr lang="es-CL"/>
           </a:p>
@@ -14953,7 +14954,7 @@
           <a:p>
             <a:fld id="{CE754D28-0065-4E3B-8554-9680FCAB8705}" type="datetimeFigureOut">
               <a:rPr lang="es-CL" smtClean="0"/>
-              <a:t>11-07-2025</a:t>
+              <a:t>17-07-2025</a:t>
             </a:fld>
             <a:endParaRPr lang="es-CL"/>
           </a:p>
@@ -15145,7 +15146,7 @@
           <a:p>
             <a:fld id="{6017A3B7-5F42-4422-B7DB-017E9499209B}" type="datetimeFigureOut">
               <a:rPr lang="es-CL" smtClean="0"/>
-              <a:t>11-07-2025</a:t>
+              <a:t>17-07-2025</a:t>
             </a:fld>
             <a:endParaRPr lang="es-CL" dirty="0"/>
           </a:p>
@@ -15315,7 +15316,7 @@
           <a:p>
             <a:fld id="{6017A3B7-5F42-4422-B7DB-017E9499209B}" type="datetimeFigureOut">
               <a:rPr lang="es-CL" smtClean="0"/>
-              <a:t>11-07-2025</a:t>
+              <a:t>17-07-2025</a:t>
             </a:fld>
             <a:endParaRPr lang="es-CL" dirty="0"/>
           </a:p>
@@ -15561,7 +15562,7 @@
           <a:p>
             <a:fld id="{6017A3B7-5F42-4422-B7DB-017E9499209B}" type="datetimeFigureOut">
               <a:rPr lang="es-CL" smtClean="0"/>
-              <a:t>11-07-2025</a:t>
+              <a:t>17-07-2025</a:t>
             </a:fld>
             <a:endParaRPr lang="es-CL" dirty="0"/>
           </a:p>
@@ -15793,7 +15794,7 @@
           <a:p>
             <a:fld id="{6017A3B7-5F42-4422-B7DB-017E9499209B}" type="datetimeFigureOut">
               <a:rPr lang="es-CL" smtClean="0"/>
-              <a:t>11-07-2025</a:t>
+              <a:t>17-07-2025</a:t>
             </a:fld>
             <a:endParaRPr lang="es-CL" dirty="0"/>
           </a:p>
@@ -16270,7 +16271,7 @@
           <a:p>
             <a:fld id="{6017A3B7-5F42-4422-B7DB-017E9499209B}" type="datetimeFigureOut">
               <a:rPr lang="es-CL" smtClean="0"/>
-              <a:t>11-07-2025</a:t>
+              <a:t>17-07-2025</a:t>
             </a:fld>
             <a:endParaRPr lang="es-CL" dirty="0"/>
           </a:p>
@@ -16637,7 +16638,7 @@
           <a:p>
             <a:fld id="{6017A3B7-5F42-4422-B7DB-017E9499209B}" type="datetimeFigureOut">
               <a:rPr lang="es-CL" smtClean="0"/>
-              <a:t>11-07-2025</a:t>
+              <a:t>17-07-2025</a:t>
             </a:fld>
             <a:endParaRPr lang="es-CL" dirty="0"/>
           </a:p>
@@ -16755,7 +16756,7 @@
           <a:p>
             <a:fld id="{6017A3B7-5F42-4422-B7DB-017E9499209B}" type="datetimeFigureOut">
               <a:rPr lang="es-CL" smtClean="0"/>
-              <a:t>11-07-2025</a:t>
+              <a:t>17-07-2025</a:t>
             </a:fld>
             <a:endParaRPr lang="es-CL" dirty="0"/>
           </a:p>
@@ -16850,7 +16851,7 @@
           <a:p>
             <a:fld id="{6017A3B7-5F42-4422-B7DB-017E9499209B}" type="datetimeFigureOut">
               <a:rPr lang="es-CL" smtClean="0"/>
-              <a:t>11-07-2025</a:t>
+              <a:t>17-07-2025</a:t>
             </a:fld>
             <a:endParaRPr lang="es-CL" dirty="0"/>
           </a:p>
@@ -17127,7 +17128,7 @@
           <a:p>
             <a:fld id="{6017A3B7-5F42-4422-B7DB-017E9499209B}" type="datetimeFigureOut">
               <a:rPr lang="es-CL" smtClean="0"/>
-              <a:t>11-07-2025</a:t>
+              <a:t>17-07-2025</a:t>
             </a:fld>
             <a:endParaRPr lang="es-CL" dirty="0"/>
           </a:p>
@@ -17384,7 +17385,7 @@
           <a:p>
             <a:fld id="{6017A3B7-5F42-4422-B7DB-017E9499209B}" type="datetimeFigureOut">
               <a:rPr lang="es-CL" smtClean="0"/>
-              <a:t>11-07-2025</a:t>
+              <a:t>17-07-2025</a:t>
             </a:fld>
             <a:endParaRPr lang="es-CL" dirty="0"/>
           </a:p>
@@ -17554,7 +17555,7 @@
           <a:p>
             <a:fld id="{6017A3B7-5F42-4422-B7DB-017E9499209B}" type="datetimeFigureOut">
               <a:rPr lang="es-CL" smtClean="0"/>
-              <a:t>11-07-2025</a:t>
+              <a:t>17-07-2025</a:t>
             </a:fld>
             <a:endParaRPr lang="es-CL" dirty="0"/>
           </a:p>
@@ -17734,7 +17735,7 @@
           <a:p>
             <a:fld id="{6017A3B7-5F42-4422-B7DB-017E9499209B}" type="datetimeFigureOut">
               <a:rPr lang="es-CL" smtClean="0"/>
-              <a:t>11-07-2025</a:t>
+              <a:t>17-07-2025</a:t>
             </a:fld>
             <a:endParaRPr lang="es-CL" dirty="0"/>
           </a:p>
@@ -17926,7 +17927,7 @@
           <a:p>
             <a:fld id="{6017A3B7-5F42-4422-B7DB-017E9499209B}" type="datetimeFigureOut">
               <a:rPr lang="es-CL" smtClean="0"/>
-              <a:t>11-07-2025</a:t>
+              <a:t>17-07-2025</a:t>
             </a:fld>
             <a:endParaRPr lang="es-CL" dirty="0"/>
           </a:p>
@@ -18096,7 +18097,7 @@
           <a:p>
             <a:fld id="{6017A3B7-5F42-4422-B7DB-017E9499209B}" type="datetimeFigureOut">
               <a:rPr lang="es-CL" smtClean="0"/>
-              <a:t>11-07-2025</a:t>
+              <a:t>17-07-2025</a:t>
             </a:fld>
             <a:endParaRPr lang="es-CL" dirty="0"/>
           </a:p>
@@ -18342,7 +18343,7 @@
           <a:p>
             <a:fld id="{6017A3B7-5F42-4422-B7DB-017E9499209B}" type="datetimeFigureOut">
               <a:rPr lang="es-CL" smtClean="0"/>
-              <a:t>11-07-2025</a:t>
+              <a:t>17-07-2025</a:t>
             </a:fld>
             <a:endParaRPr lang="es-CL" dirty="0"/>
           </a:p>
@@ -18460,7 +18461,7 @@
           <a:p>
             <a:fld id="{6017A3B7-5F42-4422-B7DB-017E9499209B}" type="datetimeFigureOut">
               <a:rPr lang="es-CL" smtClean="0"/>
-              <a:t>11-07-2025</a:t>
+              <a:t>17-07-2025</a:t>
             </a:fld>
             <a:endParaRPr lang="es-CL" dirty="0"/>
           </a:p>
@@ -18692,7 +18693,7 @@
           <a:p>
             <a:fld id="{6017A3B7-5F42-4422-B7DB-017E9499209B}" type="datetimeFigureOut">
               <a:rPr lang="es-CL" smtClean="0"/>
-              <a:t>11-07-2025</a:t>
+              <a:t>17-07-2025</a:t>
             </a:fld>
             <a:endParaRPr lang="es-CL" dirty="0"/>
           </a:p>
@@ -19059,7 +19060,7 @@
           <a:p>
             <a:fld id="{6017A3B7-5F42-4422-B7DB-017E9499209B}" type="datetimeFigureOut">
               <a:rPr lang="es-CL" smtClean="0"/>
-              <a:t>11-07-2025</a:t>
+              <a:t>17-07-2025</a:t>
             </a:fld>
             <a:endParaRPr lang="es-CL" dirty="0"/>
           </a:p>
@@ -19177,7 +19178,7 @@
           <a:p>
             <a:fld id="{6017A3B7-5F42-4422-B7DB-017E9499209B}" type="datetimeFigureOut">
               <a:rPr lang="es-CL" smtClean="0"/>
-              <a:t>11-07-2025</a:t>
+              <a:t>17-07-2025</a:t>
             </a:fld>
             <a:endParaRPr lang="es-CL" dirty="0"/>
           </a:p>
@@ -19272,7 +19273,7 @@
           <a:p>
             <a:fld id="{6017A3B7-5F42-4422-B7DB-017E9499209B}" type="datetimeFigureOut">
               <a:rPr lang="es-CL" smtClean="0"/>
-              <a:t>11-07-2025</a:t>
+              <a:t>17-07-2025</a:t>
             </a:fld>
             <a:endParaRPr lang="es-CL" dirty="0"/>
           </a:p>
@@ -19549,7 +19550,7 @@
           <a:p>
             <a:fld id="{6017A3B7-5F42-4422-B7DB-017E9499209B}" type="datetimeFigureOut">
               <a:rPr lang="es-CL" smtClean="0"/>
-              <a:t>11-07-2025</a:t>
+              <a:t>17-07-2025</a:t>
             </a:fld>
             <a:endParaRPr lang="es-CL" dirty="0"/>
           </a:p>
@@ -19806,7 +19807,7 @@
           <a:p>
             <a:fld id="{6017A3B7-5F42-4422-B7DB-017E9499209B}" type="datetimeFigureOut">
               <a:rPr lang="es-CL" smtClean="0"/>
-              <a:t>11-07-2025</a:t>
+              <a:t>17-07-2025</a:t>
             </a:fld>
             <a:endParaRPr lang="es-CL" dirty="0"/>
           </a:p>
@@ -19976,7 +19977,7 @@
           <a:p>
             <a:fld id="{6017A3B7-5F42-4422-B7DB-017E9499209B}" type="datetimeFigureOut">
               <a:rPr lang="es-CL" smtClean="0"/>
-              <a:t>11-07-2025</a:t>
+              <a:t>17-07-2025</a:t>
             </a:fld>
             <a:endParaRPr lang="es-CL" dirty="0"/>
           </a:p>
@@ -20156,7 +20157,7 @@
           <a:p>
             <a:fld id="{6017A3B7-5F42-4422-B7DB-017E9499209B}" type="datetimeFigureOut">
               <a:rPr lang="es-CL" smtClean="0"/>
-              <a:t>11-07-2025</a:t>
+              <a:t>17-07-2025</a:t>
             </a:fld>
             <a:endParaRPr lang="es-CL" dirty="0"/>
           </a:p>
@@ -20251,7 +20252,7 @@
           <a:p>
             <a:fld id="{6017A3B7-5F42-4422-B7DB-017E9499209B}" type="datetimeFigureOut">
               <a:rPr lang="es-CL" smtClean="0"/>
-              <a:t>11-07-2025</a:t>
+              <a:t>17-07-2025</a:t>
             </a:fld>
             <a:endParaRPr lang="es-CL" dirty="0"/>
           </a:p>
@@ -20597,7 +20598,7 @@
           <a:p>
             <a:fld id="{6017A3B7-5F42-4422-B7DB-017E9499209B}" type="datetimeFigureOut">
               <a:rPr lang="es-CL" smtClean="0"/>
-              <a:t>11-07-2025</a:t>
+              <a:t>17-07-2025</a:t>
             </a:fld>
             <a:endParaRPr lang="es-CL" dirty="0"/>
           </a:p>
@@ -20985,7 +20986,7 @@
           <a:p>
             <a:fld id="{6017A3B7-5F42-4422-B7DB-017E9499209B}" type="datetimeFigureOut">
               <a:rPr lang="es-CL" smtClean="0"/>
-              <a:t>11-07-2025</a:t>
+              <a:t>17-07-2025</a:t>
             </a:fld>
             <a:endParaRPr lang="es-CL" dirty="0"/>
           </a:p>
@@ -21263,7 +21264,7 @@
           <a:p>
             <a:fld id="{6017A3B7-5F42-4422-B7DB-017E9499209B}" type="datetimeFigureOut">
               <a:rPr lang="es-CL" smtClean="0"/>
-              <a:t>11-07-2025</a:t>
+              <a:t>17-07-2025</a:t>
             </a:fld>
             <a:endParaRPr lang="es-CL" dirty="0"/>
           </a:p>
@@ -21931,7 +21932,7 @@
           <a:p>
             <a:fld id="{CE754D28-0065-4E3B-8554-9680FCAB8705}" type="datetimeFigureOut">
               <a:rPr lang="es-CL" smtClean="0"/>
-              <a:t>11-07-2025</a:t>
+              <a:t>17-07-2025</a:t>
             </a:fld>
             <a:endParaRPr lang="es-CL"/>
           </a:p>
@@ -22761,7 +22762,7 @@
           <a:p>
             <a:fld id="{CE754D28-0065-4E3B-8554-9680FCAB8705}" type="datetimeFigureOut">
               <a:rPr lang="es-CL" smtClean="0"/>
-              <a:t>11-07-2025</a:t>
+              <a:t>17-07-2025</a:t>
             </a:fld>
             <a:endParaRPr lang="es-CL"/>
           </a:p>
@@ -23570,7 +23571,7 @@
           <a:p>
             <a:fld id="{6017A3B7-5F42-4422-B7DB-017E9499209B}" type="datetimeFigureOut">
               <a:rPr lang="es-CL" smtClean="0"/>
-              <a:t>11-07-2025</a:t>
+              <a:t>17-07-2025</a:t>
             </a:fld>
             <a:endParaRPr lang="es-CL" dirty="0"/>
           </a:p>
@@ -24110,7 +24111,7 @@
           <a:p>
             <a:fld id="{6017A3B7-5F42-4422-B7DB-017E9499209B}" type="datetimeFigureOut">
               <a:rPr lang="es-CL" smtClean="0"/>
-              <a:t>11-07-2025</a:t>
+              <a:t>17-07-2025</a:t>
             </a:fld>
             <a:endParaRPr lang="es-CL" dirty="0"/>
           </a:p>
@@ -25724,6 +25725,984 @@
     <p:bg>
       <p:bgPr>
         <a:solidFill>
+          <a:schemeClr val="bg1"/>
+        </a:solidFill>
+        <a:effectLst/>
+      </p:bgPr>
+    </p:bg>
+    <p:spTree>
+      <p:nvGrpSpPr>
+        <p:cNvPr id="1" name="">
+          <a:extLst>
+            <a:ext uri="{FF2B5EF4-FFF2-40B4-BE49-F238E27FC236}">
+              <a16:creationId xmlns:a16="http://schemas.microsoft.com/office/drawing/2014/main" id="{5422ECA4-0796-E06D-7836-B11C132C4CC2}"/>
+            </a:ext>
+          </a:extLst>
+        </p:cNvPr>
+        <p:cNvGrpSpPr/>
+        <p:nvPr/>
+      </p:nvGrpSpPr>
+      <p:grpSpPr>
+        <a:xfrm>
+          <a:off x="0" y="0"/>
+          <a:ext cx="0" cy="0"/>
+          <a:chOff x="0" y="0"/>
+          <a:chExt cx="0" cy="0"/>
+        </a:xfrm>
+      </p:grpSpPr>
+      <p:sp>
+        <p:nvSpPr>
+          <p:cNvPr id="2" name="Título 1">
+            <a:extLst>
+              <a:ext uri="{FF2B5EF4-FFF2-40B4-BE49-F238E27FC236}">
+                <a16:creationId xmlns:a16="http://schemas.microsoft.com/office/drawing/2014/main" id="{01A39090-71C3-2F71-676F-4D4D4E6C921A}"/>
+              </a:ext>
+            </a:extLst>
+          </p:cNvPr>
+          <p:cNvSpPr>
+            <a:spLocks noGrp="1"/>
+          </p:cNvSpPr>
+          <p:nvPr>
+            <p:ph type="title"/>
+          </p:nvPr>
+        </p:nvSpPr>
+        <p:spPr>
+          <a:xfrm>
+            <a:off x="988200" y="497633"/>
+            <a:ext cx="9365165" cy="812213"/>
+          </a:xfrm>
+        </p:spPr>
+        <p:txBody>
+          <a:bodyPr>
+            <a:normAutofit/>
+          </a:bodyPr>
+          <a:lstStyle/>
+          <a:p>
+            <a:r>
+              <a:rPr lang="es-MX" sz="3600" noProof="0" dirty="0">
+                <a:solidFill>
+                  <a:schemeClr val="bg2"/>
+                </a:solidFill>
+                <a:latin typeface="Abadi" panose="020F0502020204030204" pitchFamily="34" charset="0"/>
+                <a:ea typeface="ADLaM Display" panose="02010000000000000000" pitchFamily="2" charset="0"/>
+                <a:cs typeface="ADLaM Display" panose="02010000000000000000" pitchFamily="2" charset="0"/>
+              </a:rPr>
+              <a:t>S</a:t>
+            </a:r>
+            <a:r>
+              <a:rPr lang="es-CL" sz="3600" noProof="0" dirty="0" err="1">
+                <a:solidFill>
+                  <a:schemeClr val="bg2"/>
+                </a:solidFill>
+                <a:latin typeface="Abadi" panose="020F0502020204030204" pitchFamily="34" charset="0"/>
+                <a:ea typeface="ADLaM Display" panose="02010000000000000000" pitchFamily="2" charset="0"/>
+                <a:cs typeface="ADLaM Display" panose="02010000000000000000" pitchFamily="2" charset="0"/>
+              </a:rPr>
+              <a:t>olución</a:t>
+            </a:r>
+            <a:r>
+              <a:rPr lang="es-CL" sz="3600" noProof="0" dirty="0">
+                <a:solidFill>
+                  <a:schemeClr val="bg2"/>
+                </a:solidFill>
+                <a:latin typeface="Abadi" panose="020F0502020204030204" pitchFamily="34" charset="0"/>
+                <a:ea typeface="ADLaM Display" panose="02010000000000000000" pitchFamily="2" charset="0"/>
+                <a:cs typeface="ADLaM Display" panose="02010000000000000000" pitchFamily="2" charset="0"/>
+              </a:rPr>
+              <a:t> planteada</a:t>
+            </a:r>
+          </a:p>
+        </p:txBody>
+      </p:sp>
+      <p:pic>
+        <p:nvPicPr>
+          <p:cNvPr id="11" name="Imagen 10" descr="Logotipo&#10;&#10;Descripción generada automáticamente">
+            <a:extLst>
+              <a:ext uri="{FF2B5EF4-FFF2-40B4-BE49-F238E27FC236}">
+                <a16:creationId xmlns:a16="http://schemas.microsoft.com/office/drawing/2014/main" id="{899083B5-A97B-F4A6-25F1-3D1BD511D291}"/>
+              </a:ext>
+            </a:extLst>
+          </p:cNvPr>
+          <p:cNvPicPr>
+            <a:picLocks noChangeAspect="1"/>
+          </p:cNvPicPr>
+          <p:nvPr/>
+        </p:nvPicPr>
+        <p:blipFill>
+          <a:blip r:embed="rId2" cstate="print">
+            <a:extLst>
+              <a:ext uri="{28A0092B-C50C-407E-A947-70E740481C1C}">
+                <a14:useLocalDpi xmlns:a14="http://schemas.microsoft.com/office/drawing/2010/main" val="0"/>
+              </a:ext>
+            </a:extLst>
+          </a:blip>
+          <a:stretch>
+            <a:fillRect/>
+          </a:stretch>
+        </p:blipFill>
+        <p:spPr>
+          <a:xfrm>
+            <a:off x="642566" y="120196"/>
+            <a:ext cx="1252912" cy="281118"/>
+          </a:xfrm>
+          <a:prstGeom prst="rect">
+            <a:avLst/>
+          </a:prstGeom>
+        </p:spPr>
+      </p:pic>
+      <p:cxnSp>
+        <p:nvCxnSpPr>
+          <p:cNvPr id="13" name="Conector recto 12">
+            <a:extLst>
+              <a:ext uri="{FF2B5EF4-FFF2-40B4-BE49-F238E27FC236}">
+                <a16:creationId xmlns:a16="http://schemas.microsoft.com/office/drawing/2014/main" id="{7A627730-DEC1-55C8-3DE6-A39C6A5FE854}"/>
+              </a:ext>
+            </a:extLst>
+          </p:cNvPr>
+          <p:cNvCxnSpPr/>
+          <p:nvPr/>
+        </p:nvCxnSpPr>
+        <p:spPr>
+          <a:xfrm>
+            <a:off x="2029924" y="122010"/>
+            <a:ext cx="0" cy="281117"/>
+          </a:xfrm>
+          <a:prstGeom prst="line">
+            <a:avLst/>
+          </a:prstGeom>
+          <a:ln w="19050" cap="rnd">
+            <a:solidFill>
+              <a:schemeClr val="bg1">
+                <a:lumMod val="20000"/>
+                <a:lumOff val="80000"/>
+              </a:schemeClr>
+            </a:solidFill>
+          </a:ln>
+        </p:spPr>
+        <p:style>
+          <a:lnRef idx="1">
+            <a:schemeClr val="accent1"/>
+          </a:lnRef>
+          <a:fillRef idx="0">
+            <a:schemeClr val="accent1"/>
+          </a:fillRef>
+          <a:effectRef idx="0">
+            <a:schemeClr val="accent1"/>
+          </a:effectRef>
+          <a:fontRef idx="minor">
+            <a:schemeClr val="tx1"/>
+          </a:fontRef>
+        </p:style>
+      </p:cxnSp>
+      <p:cxnSp>
+        <p:nvCxnSpPr>
+          <p:cNvPr id="19" name="Conector recto 18">
+            <a:extLst>
+              <a:ext uri="{FF2B5EF4-FFF2-40B4-BE49-F238E27FC236}">
+                <a16:creationId xmlns:a16="http://schemas.microsoft.com/office/drawing/2014/main" id="{92E0F83E-F813-4AA5-4BE0-C0B80DF82EBA}"/>
+              </a:ext>
+            </a:extLst>
+          </p:cNvPr>
+          <p:cNvCxnSpPr/>
+          <p:nvPr/>
+        </p:nvCxnSpPr>
+        <p:spPr>
+          <a:xfrm>
+            <a:off x="4770827" y="120196"/>
+            <a:ext cx="0" cy="281117"/>
+          </a:xfrm>
+          <a:prstGeom prst="line">
+            <a:avLst/>
+          </a:prstGeom>
+          <a:ln w="19050" cap="rnd">
+            <a:solidFill>
+              <a:schemeClr val="bg1">
+                <a:lumMod val="20000"/>
+                <a:lumOff val="80000"/>
+              </a:schemeClr>
+            </a:solidFill>
+          </a:ln>
+        </p:spPr>
+        <p:style>
+          <a:lnRef idx="1">
+            <a:schemeClr val="accent1"/>
+          </a:lnRef>
+          <a:fillRef idx="0">
+            <a:schemeClr val="accent1"/>
+          </a:fillRef>
+          <a:effectRef idx="0">
+            <a:schemeClr val="accent1"/>
+          </a:effectRef>
+          <a:fontRef idx="minor">
+            <a:schemeClr val="tx1"/>
+          </a:fontRef>
+        </p:style>
+      </p:cxnSp>
+      <p:sp>
+        <p:nvSpPr>
+          <p:cNvPr id="20" name="CuadroTexto 19">
+            <a:extLst>
+              <a:ext uri="{FF2B5EF4-FFF2-40B4-BE49-F238E27FC236}">
+                <a16:creationId xmlns:a16="http://schemas.microsoft.com/office/drawing/2014/main" id="{E771F477-0A8F-6478-F3CB-46C46A27A041}"/>
+              </a:ext>
+            </a:extLst>
+          </p:cNvPr>
+          <p:cNvSpPr txBox="1"/>
+          <p:nvPr/>
+        </p:nvSpPr>
+        <p:spPr>
+          <a:xfrm>
+            <a:off x="4770827" y="117878"/>
+            <a:ext cx="1988974" cy="312650"/>
+          </a:xfrm>
+          <a:prstGeom prst="rect">
+            <a:avLst/>
+          </a:prstGeom>
+          <a:noFill/>
+        </p:spPr>
+        <p:txBody>
+          <a:bodyPr wrap="square">
+            <a:spAutoFit/>
+          </a:bodyPr>
+          <a:lstStyle/>
+          <a:p>
+            <a:pPr marL="0" marR="0" lvl="0" indent="0" algn="l" defTabSz="914400" rtl="0" eaLnBrk="1" fontAlgn="auto" latinLnBrk="0" hangingPunct="1">
+              <a:lnSpc>
+                <a:spcPct val="107000"/>
+              </a:lnSpc>
+              <a:spcBef>
+                <a:spcPts val="0"/>
+              </a:spcBef>
+              <a:spcAft>
+                <a:spcPts val="800"/>
+              </a:spcAft>
+              <a:buClrTx/>
+              <a:buSzTx/>
+              <a:buFontTx/>
+              <a:buNone/>
+              <a:tabLst/>
+              <a:defRPr/>
+            </a:pPr>
+            <a:r>
+              <a:rPr kumimoji="0" lang="es-CL" sz="1400" b="0" i="0" u="none" strike="noStrike" kern="1200" cap="none" spc="0" normalizeH="0" baseline="0" noProof="0" dirty="0">
+                <a:ln>
+                  <a:noFill/>
+                </a:ln>
+                <a:solidFill>
+                  <a:schemeClr val="bg2"/>
+                </a:solidFill>
+                <a:effectLst/>
+                <a:uLnTx/>
+                <a:uFillTx/>
+                <a:latin typeface="Calibri" panose="020F0502020204030204"/>
+                <a:ea typeface="Open Sans" panose="020B0606030504020204" pitchFamily="34" charset="0"/>
+                <a:cs typeface="Open Sans" panose="020B0606030504020204" pitchFamily="34" charset="0"/>
+              </a:rPr>
+              <a:t>Diego Martínez </a:t>
+            </a:r>
+          </a:p>
+        </p:txBody>
+      </p:sp>
+      <p:sp>
+        <p:nvSpPr>
+          <p:cNvPr id="21" name="CuadroTexto 20">
+            <a:extLst>
+              <a:ext uri="{FF2B5EF4-FFF2-40B4-BE49-F238E27FC236}">
+                <a16:creationId xmlns:a16="http://schemas.microsoft.com/office/drawing/2014/main" id="{BB890188-559D-1DE9-2510-E7438A9DF116}"/>
+              </a:ext>
+            </a:extLst>
+          </p:cNvPr>
+          <p:cNvSpPr txBox="1"/>
+          <p:nvPr/>
+        </p:nvSpPr>
+        <p:spPr>
+          <a:xfrm>
+            <a:off x="2048044" y="117877"/>
+            <a:ext cx="3019253" cy="312650"/>
+          </a:xfrm>
+          <a:prstGeom prst="rect">
+            <a:avLst/>
+          </a:prstGeom>
+          <a:noFill/>
+        </p:spPr>
+        <p:txBody>
+          <a:bodyPr wrap="square">
+            <a:spAutoFit/>
+          </a:bodyPr>
+          <a:lstStyle/>
+          <a:p>
+            <a:pPr marL="0" marR="0" lvl="0" indent="0" algn="l" defTabSz="914400" rtl="0" eaLnBrk="1" fontAlgn="auto" latinLnBrk="0" hangingPunct="1">
+              <a:lnSpc>
+                <a:spcPct val="107000"/>
+              </a:lnSpc>
+              <a:spcBef>
+                <a:spcPts val="0"/>
+              </a:spcBef>
+              <a:spcAft>
+                <a:spcPts val="800"/>
+              </a:spcAft>
+              <a:buClrTx/>
+              <a:buSzTx/>
+              <a:buFontTx/>
+              <a:buNone/>
+              <a:tabLst/>
+              <a:defRPr/>
+            </a:pPr>
+            <a:r>
+              <a:rPr kumimoji="0" lang="es-CL" sz="1400" b="0" i="0" u="none" strike="noStrike" kern="1200" cap="none" spc="0" normalizeH="0" baseline="0" noProof="0" dirty="0">
+                <a:ln>
+                  <a:noFill/>
+                </a:ln>
+                <a:solidFill>
+                  <a:schemeClr val="bg2"/>
+                </a:solidFill>
+                <a:effectLst/>
+                <a:uLnTx/>
+                <a:uFillTx/>
+                <a:latin typeface="Calibri" panose="020F0502020204030204" pitchFamily="34" charset="0"/>
+                <a:ea typeface="Calibri" panose="020F0502020204030204" pitchFamily="34" charset="0"/>
+                <a:cs typeface="Calibri" panose="020F0502020204030204" pitchFamily="34" charset="0"/>
+              </a:rPr>
+              <a:t>Programación Aplicaciones Móviles </a:t>
+            </a:r>
+          </a:p>
+        </p:txBody>
+      </p:sp>
+      <p:sp>
+        <p:nvSpPr>
+          <p:cNvPr id="29" name="Rectangle 1">
+            <a:extLst>
+              <a:ext uri="{FF2B5EF4-FFF2-40B4-BE49-F238E27FC236}">
+                <a16:creationId xmlns:a16="http://schemas.microsoft.com/office/drawing/2014/main" id="{1EA25315-BC0D-D90A-2C48-869E1A1815F7}"/>
+              </a:ext>
+            </a:extLst>
+          </p:cNvPr>
+          <p:cNvSpPr>
+            <a:spLocks noChangeArrowheads="1"/>
+          </p:cNvSpPr>
+          <p:nvPr/>
+        </p:nvSpPr>
+        <p:spPr bwMode="auto">
+          <a:xfrm>
+            <a:off x="988200" y="1498878"/>
+            <a:ext cx="2777635" cy="4081466"/>
+          </a:xfrm>
+          <a:prstGeom prst="rect">
+            <a:avLst/>
+          </a:prstGeom>
+          <a:extLst>
+            <a:ext uri="{909E8E84-426E-40DD-AFC4-6F175D3DCCD1}">
+              <a14:hiddenFill xmlns:a14="http://schemas.microsoft.com/office/drawing/2010/main">
+                <a:solidFill>
+                  <a:schemeClr val="accent1"/>
+                </a:solidFill>
+              </a14:hiddenFill>
+            </a:ext>
+            <a:ext uri="{91240B29-F687-4F45-9708-019B960494DF}">
+              <a14:hiddenLine xmlns:a14="http://schemas.microsoft.com/office/drawing/2010/main" w="9525">
+                <a:solidFill>
+                  <a:schemeClr val="tx1"/>
+                </a:solidFill>
+                <a:miter lim="800000"/>
+                <a:headEnd/>
+                <a:tailEnd/>
+              </a14:hiddenLine>
+            </a:ext>
+            <a:ext uri="{AF507438-7753-43E0-B8FC-AC1667EBCBE1}">
+              <a14:hiddenEffects xmlns:a14="http://schemas.microsoft.com/office/drawing/2010/main">
+                <a:effectLst>
+                  <a:outerShdw dist="35921" dir="2700000" algn="ctr" rotWithShape="0">
+                    <a:schemeClr val="bg2"/>
+                  </a:outerShdw>
+                </a:effectLst>
+              </a14:hiddenEffects>
+            </a:ext>
+          </a:extLst>
+        </p:spPr>
+        <p:txBody>
+          <a:bodyPr vert="horz" lIns="91440" tIns="45720" rIns="91440" bIns="45720" numCol="1" rtlCol="0" anchor="t" anchorCtr="0" compatLnSpc="1">
+            <a:prstTxWarp prst="textNoShape">
+              <a:avLst/>
+            </a:prstTxWarp>
+            <a:noAutofit/>
+          </a:bodyPr>
+          <a:lstStyle/>
+          <a:p>
+            <a:pPr marL="285750" marR="0" lvl="0" indent="-285750" algn="l" defTabSz="360000" rtl="0" eaLnBrk="1" fontAlgn="auto" latinLnBrk="0" hangingPunct="1">
+              <a:lnSpc>
+                <a:spcPct val="150000"/>
+              </a:lnSpc>
+              <a:spcBef>
+                <a:spcPts val="0"/>
+              </a:spcBef>
+              <a:spcAft>
+                <a:spcPts val="0"/>
+              </a:spcAft>
+              <a:buClrTx/>
+              <a:buSzTx/>
+              <a:buFontTx/>
+              <a:buChar char="-"/>
+              <a:tabLst/>
+              <a:defRPr/>
+            </a:pPr>
+            <a:r>
+              <a:rPr lang="es-CL" sz="1600" spc="-150" dirty="0">
+                <a:solidFill>
+                  <a:srgbClr val="E8E8E8"/>
+                </a:solidFill>
+                <a:latin typeface="Calibri" panose="020F0502020204030204"/>
+                <a:ea typeface="Open Sans" panose="020B0606030504020204" pitchFamily="34" charset="0"/>
+                <a:cs typeface="Open Sans" panose="020B0606030504020204" pitchFamily="34" charset="0"/>
+              </a:rPr>
+              <a:t>Perfiles de usuario</a:t>
+            </a:r>
+            <a:endParaRPr kumimoji="0" lang="es-CL" sz="1600" b="0" i="0" u="none" strike="noStrike" kern="1200" cap="none" spc="-150" normalizeH="0" baseline="0" noProof="0" dirty="0">
+              <a:ln>
+                <a:noFill/>
+              </a:ln>
+              <a:solidFill>
+                <a:srgbClr val="E8E8E8"/>
+              </a:solidFill>
+              <a:effectLst/>
+              <a:uLnTx/>
+              <a:uFillTx/>
+              <a:latin typeface="Calibri" panose="020F0502020204030204"/>
+              <a:ea typeface="Open Sans" panose="020B0606030504020204" pitchFamily="34" charset="0"/>
+              <a:cs typeface="Open Sans" panose="020B0606030504020204" pitchFamily="34" charset="0"/>
+            </a:endParaRPr>
+          </a:p>
+          <a:p>
+            <a:pPr marL="285750" marR="0" lvl="0" indent="-285750" algn="l" defTabSz="360000" rtl="0" eaLnBrk="1" fontAlgn="auto" latinLnBrk="0" hangingPunct="1">
+              <a:lnSpc>
+                <a:spcPct val="150000"/>
+              </a:lnSpc>
+              <a:spcBef>
+                <a:spcPts val="0"/>
+              </a:spcBef>
+              <a:spcAft>
+                <a:spcPts val="0"/>
+              </a:spcAft>
+              <a:buClrTx/>
+              <a:buSzTx/>
+              <a:buFontTx/>
+              <a:buChar char="-"/>
+              <a:tabLst/>
+              <a:defRPr/>
+            </a:pPr>
+            <a:r>
+              <a:rPr kumimoji="0" lang="es-CL" sz="1600" b="0" i="0" u="none" strike="noStrike" kern="1200" cap="none" spc="-150" normalizeH="0" baseline="0" noProof="0" dirty="0">
+                <a:ln>
+                  <a:noFill/>
+                </a:ln>
+                <a:solidFill>
+                  <a:srgbClr val="E8E8E8"/>
+                </a:solidFill>
+                <a:effectLst/>
+                <a:uLnTx/>
+                <a:uFillTx/>
+                <a:latin typeface="Calibri" panose="020F0502020204030204"/>
+                <a:ea typeface="Open Sans" panose="020B0606030504020204" pitchFamily="34" charset="0"/>
+                <a:cs typeface="Open Sans" panose="020B0606030504020204" pitchFamily="34" charset="0"/>
+              </a:rPr>
+              <a:t>Interacción entre usuarios </a:t>
+            </a:r>
+          </a:p>
+          <a:p>
+            <a:pPr marL="285750" marR="0" lvl="0" indent="-285750" algn="l" defTabSz="360000" rtl="0" eaLnBrk="1" fontAlgn="auto" latinLnBrk="0" hangingPunct="1">
+              <a:lnSpc>
+                <a:spcPct val="150000"/>
+              </a:lnSpc>
+              <a:spcBef>
+                <a:spcPts val="0"/>
+              </a:spcBef>
+              <a:spcAft>
+                <a:spcPts val="0"/>
+              </a:spcAft>
+              <a:buClrTx/>
+              <a:buSzTx/>
+              <a:buFontTx/>
+              <a:buChar char="-"/>
+              <a:tabLst/>
+              <a:defRPr/>
+            </a:pPr>
+            <a:r>
+              <a:rPr lang="es-CL" sz="1600" spc="-150" dirty="0">
+                <a:solidFill>
+                  <a:srgbClr val="E8E8E8"/>
+                </a:solidFill>
+                <a:latin typeface="Calibri" panose="020F0502020204030204"/>
+                <a:ea typeface="Open Sans" panose="020B0606030504020204" pitchFamily="34" charset="0"/>
+                <a:cs typeface="Open Sans" panose="020B0606030504020204" pitchFamily="34" charset="0"/>
+              </a:rPr>
+              <a:t>Competitividad</a:t>
+            </a:r>
+            <a:endParaRPr kumimoji="0" lang="es-CL" sz="1600" b="0" i="0" u="none" strike="noStrike" kern="1200" cap="none" spc="-150" normalizeH="0" baseline="0" noProof="0" dirty="0">
+              <a:ln>
+                <a:noFill/>
+              </a:ln>
+              <a:solidFill>
+                <a:srgbClr val="E8E8E8"/>
+              </a:solidFill>
+              <a:effectLst/>
+              <a:uLnTx/>
+              <a:uFillTx/>
+              <a:latin typeface="Calibri" panose="020F0502020204030204"/>
+              <a:ea typeface="Open Sans" panose="020B0606030504020204" pitchFamily="34" charset="0"/>
+              <a:cs typeface="Open Sans" panose="020B0606030504020204" pitchFamily="34" charset="0"/>
+            </a:endParaRPr>
+          </a:p>
+          <a:p>
+            <a:pPr marL="285750" marR="0" lvl="0" indent="-285750" algn="l" defTabSz="360000" rtl="0" eaLnBrk="1" fontAlgn="auto" latinLnBrk="0" hangingPunct="1">
+              <a:lnSpc>
+                <a:spcPct val="150000"/>
+              </a:lnSpc>
+              <a:spcBef>
+                <a:spcPts val="0"/>
+              </a:spcBef>
+              <a:spcAft>
+                <a:spcPts val="0"/>
+              </a:spcAft>
+              <a:buClrTx/>
+              <a:buSzTx/>
+              <a:buFontTx/>
+              <a:buChar char="-"/>
+              <a:tabLst/>
+              <a:defRPr/>
+            </a:pPr>
+            <a:r>
+              <a:rPr kumimoji="0" lang="es-CL" sz="1600" b="0" i="0" u="none" strike="noStrike" kern="1200" cap="none" spc="-150" normalizeH="0" baseline="0" noProof="0" dirty="0">
+                <a:ln>
+                  <a:noFill/>
+                </a:ln>
+                <a:solidFill>
+                  <a:srgbClr val="E8E8E8"/>
+                </a:solidFill>
+                <a:effectLst/>
+                <a:uLnTx/>
+                <a:uFillTx/>
+                <a:latin typeface="Calibri" panose="020F0502020204030204"/>
+                <a:ea typeface="Open Sans" panose="020B0606030504020204" pitchFamily="34" charset="0"/>
+                <a:cs typeface="Open Sans" panose="020B0606030504020204" pitchFamily="34" charset="0"/>
+              </a:rPr>
+              <a:t>Minijuegos</a:t>
+            </a:r>
+          </a:p>
+          <a:p>
+            <a:pPr marL="285750" marR="0" lvl="0" indent="-285750" algn="l" defTabSz="360000" rtl="0" eaLnBrk="1" fontAlgn="auto" latinLnBrk="0" hangingPunct="1">
+              <a:lnSpc>
+                <a:spcPct val="150000"/>
+              </a:lnSpc>
+              <a:spcBef>
+                <a:spcPts val="0"/>
+              </a:spcBef>
+              <a:spcAft>
+                <a:spcPts val="0"/>
+              </a:spcAft>
+              <a:buClrTx/>
+              <a:buSzTx/>
+              <a:buFontTx/>
+              <a:buChar char="-"/>
+              <a:tabLst/>
+              <a:defRPr/>
+            </a:pPr>
+            <a:r>
+              <a:rPr lang="es-CL" sz="1600" spc="-150" dirty="0">
+                <a:solidFill>
+                  <a:srgbClr val="E8E8E8"/>
+                </a:solidFill>
+                <a:latin typeface="Calibri" panose="020F0502020204030204"/>
+                <a:ea typeface="Open Sans" panose="020B0606030504020204" pitchFamily="34" charset="0"/>
+                <a:cs typeface="Open Sans" panose="020B0606030504020204" pitchFamily="34" charset="0"/>
+              </a:rPr>
+              <a:t>Aplicación móvil y web</a:t>
+            </a:r>
+          </a:p>
+          <a:p>
+            <a:pPr marL="285750" marR="0" lvl="0" indent="-285750" algn="l" defTabSz="360000" rtl="0" eaLnBrk="1" fontAlgn="auto" latinLnBrk="0" hangingPunct="1">
+              <a:lnSpc>
+                <a:spcPct val="150000"/>
+              </a:lnSpc>
+              <a:spcBef>
+                <a:spcPts val="0"/>
+              </a:spcBef>
+              <a:spcAft>
+                <a:spcPts val="0"/>
+              </a:spcAft>
+              <a:buClrTx/>
+              <a:buSzTx/>
+              <a:buFontTx/>
+              <a:buChar char="-"/>
+              <a:tabLst/>
+              <a:defRPr/>
+            </a:pPr>
+            <a:r>
+              <a:rPr kumimoji="0" lang="es-CL" sz="1600" b="0" i="0" u="none" strike="noStrike" kern="1200" cap="none" spc="-150" normalizeH="0" baseline="0" noProof="0" dirty="0">
+                <a:ln>
+                  <a:noFill/>
+                </a:ln>
+                <a:solidFill>
+                  <a:srgbClr val="E8E8E8"/>
+                </a:solidFill>
+                <a:effectLst/>
+                <a:uLnTx/>
+                <a:uFillTx/>
+                <a:latin typeface="Calibri" panose="020F0502020204030204"/>
+                <a:ea typeface="Open Sans" panose="020B0606030504020204" pitchFamily="34" charset="0"/>
+                <a:cs typeface="Open Sans" panose="020B0606030504020204" pitchFamily="34" charset="0"/>
+              </a:rPr>
+              <a:t>Diseño responsivo</a:t>
+            </a:r>
+          </a:p>
+          <a:p>
+            <a:pPr marL="285750" marR="0" lvl="0" indent="-285750" algn="l" defTabSz="360000" rtl="0" eaLnBrk="1" fontAlgn="auto" latinLnBrk="0" hangingPunct="1">
+              <a:lnSpc>
+                <a:spcPct val="150000"/>
+              </a:lnSpc>
+              <a:spcBef>
+                <a:spcPts val="0"/>
+              </a:spcBef>
+              <a:spcAft>
+                <a:spcPts val="0"/>
+              </a:spcAft>
+              <a:buClrTx/>
+              <a:buSzTx/>
+              <a:buFontTx/>
+              <a:buChar char="-"/>
+              <a:tabLst/>
+              <a:defRPr/>
+            </a:pPr>
+            <a:r>
+              <a:rPr kumimoji="0" lang="es-CL" sz="1600" b="0" i="0" u="none" strike="noStrike" kern="1200" cap="none" spc="-150" normalizeH="0" baseline="0" noProof="0" dirty="0">
+                <a:ln>
+                  <a:noFill/>
+                </a:ln>
+                <a:solidFill>
+                  <a:srgbClr val="E8E8E8"/>
+                </a:solidFill>
+                <a:effectLst/>
+                <a:uLnTx/>
+                <a:uFillTx/>
+                <a:latin typeface="Calibri" panose="020F0502020204030204"/>
+                <a:ea typeface="Open Sans" panose="020B0606030504020204" pitchFamily="34" charset="0"/>
+                <a:cs typeface="Open Sans" panose="020B0606030504020204" pitchFamily="34" charset="0"/>
+              </a:rPr>
+              <a:t>Almacenamiento de datos</a:t>
+            </a:r>
+          </a:p>
+          <a:p>
+            <a:pPr marL="285750" marR="0" lvl="0" indent="-285750" algn="l" defTabSz="360000" rtl="0" eaLnBrk="1" fontAlgn="auto" latinLnBrk="0" hangingPunct="1">
+              <a:lnSpc>
+                <a:spcPct val="150000"/>
+              </a:lnSpc>
+              <a:spcBef>
+                <a:spcPts val="0"/>
+              </a:spcBef>
+              <a:spcAft>
+                <a:spcPts val="0"/>
+              </a:spcAft>
+              <a:buClrTx/>
+              <a:buSzTx/>
+              <a:buFontTx/>
+              <a:buChar char="-"/>
+              <a:tabLst/>
+              <a:defRPr/>
+            </a:pPr>
+            <a:r>
+              <a:rPr lang="es-CL" sz="1600" spc="-150" dirty="0">
+                <a:solidFill>
+                  <a:srgbClr val="E8E8E8"/>
+                </a:solidFill>
+                <a:latin typeface="Calibri" panose="020F0502020204030204"/>
+                <a:ea typeface="Open Sans" panose="020B0606030504020204" pitchFamily="34" charset="0"/>
+                <a:cs typeface="Open Sans" panose="020B0606030504020204" pitchFamily="34" charset="0"/>
+              </a:rPr>
+              <a:t>Interfaz de usuario simple</a:t>
+            </a:r>
+            <a:endParaRPr kumimoji="0" lang="es-CL" sz="1600" b="0" i="0" u="none" strike="noStrike" kern="1200" cap="none" spc="-150" normalizeH="0" baseline="0" noProof="0" dirty="0">
+              <a:ln>
+                <a:noFill/>
+              </a:ln>
+              <a:solidFill>
+                <a:srgbClr val="E8E8E8"/>
+              </a:solidFill>
+              <a:effectLst/>
+              <a:uLnTx/>
+              <a:uFillTx/>
+              <a:latin typeface="Calibri" panose="020F0502020204030204"/>
+              <a:ea typeface="Open Sans" panose="020B0606030504020204" pitchFamily="34" charset="0"/>
+              <a:cs typeface="Open Sans" panose="020B0606030504020204" pitchFamily="34" charset="0"/>
+            </a:endParaRPr>
+          </a:p>
+          <a:p>
+            <a:pPr marL="285750" marR="0" lvl="0" indent="-285750" algn="l" defTabSz="360000" rtl="0" eaLnBrk="1" fontAlgn="auto" latinLnBrk="0" hangingPunct="1">
+              <a:lnSpc>
+                <a:spcPct val="150000"/>
+              </a:lnSpc>
+              <a:spcBef>
+                <a:spcPts val="0"/>
+              </a:spcBef>
+              <a:spcAft>
+                <a:spcPts val="0"/>
+              </a:spcAft>
+              <a:buClrTx/>
+              <a:buSzTx/>
+              <a:buFontTx/>
+              <a:buChar char="-"/>
+              <a:tabLst/>
+              <a:defRPr/>
+            </a:pPr>
+            <a:endParaRPr kumimoji="0" lang="es-CL" sz="1600" b="0" i="0" u="none" strike="noStrike" kern="1200" cap="none" spc="-150" normalizeH="0" baseline="0" noProof="0" dirty="0">
+              <a:ln>
+                <a:noFill/>
+              </a:ln>
+              <a:solidFill>
+                <a:srgbClr val="7F7F7F"/>
+              </a:solidFill>
+              <a:effectLst/>
+              <a:uLnTx/>
+              <a:uFillTx/>
+              <a:latin typeface="Calibri" panose="020F0502020204030204"/>
+              <a:ea typeface="Open Sans" panose="020B0606030504020204" pitchFamily="34" charset="0"/>
+              <a:cs typeface="Open Sans" panose="020B0606030504020204" pitchFamily="34" charset="0"/>
+            </a:endParaRPr>
+          </a:p>
+          <a:p>
+            <a:pPr marL="0" marR="0" lvl="0" indent="0" algn="l" defTabSz="941832" rtl="0" eaLnBrk="1" fontAlgn="base" latinLnBrk="0" hangingPunct="1">
+              <a:lnSpc>
+                <a:spcPct val="100000"/>
+              </a:lnSpc>
+              <a:spcBef>
+                <a:spcPct val="0"/>
+              </a:spcBef>
+              <a:spcAft>
+                <a:spcPct val="0"/>
+              </a:spcAft>
+              <a:buClrTx/>
+              <a:buSzTx/>
+              <a:buFontTx/>
+              <a:buNone/>
+              <a:tabLst/>
+              <a:defRPr/>
+            </a:pPr>
+            <a:endParaRPr kumimoji="0" lang="es-CL" sz="1442" b="0" i="0" u="none" strike="noStrike" kern="1200" cap="none" spc="0" normalizeH="0" baseline="0" noProof="0" dirty="0">
+              <a:ln>
+                <a:noFill/>
+              </a:ln>
+              <a:solidFill>
+                <a:prstClr val="white"/>
+              </a:solidFill>
+              <a:effectLst/>
+              <a:uLnTx/>
+              <a:uFillTx/>
+              <a:latin typeface="Franklin Gothic Book" panose="020B0503020102020204"/>
+              <a:ea typeface="+mn-ea"/>
+              <a:cs typeface="+mn-cs"/>
+            </a:endParaRPr>
+          </a:p>
+        </p:txBody>
+      </p:sp>
+      <p:sp>
+        <p:nvSpPr>
+          <p:cNvPr id="7" name="Rectángulo 6">
+            <a:extLst>
+              <a:ext uri="{FF2B5EF4-FFF2-40B4-BE49-F238E27FC236}">
+                <a16:creationId xmlns:a16="http://schemas.microsoft.com/office/drawing/2014/main" id="{CD51E9F9-648B-1551-82BE-744BED42F1C8}"/>
+              </a:ext>
+            </a:extLst>
+          </p:cNvPr>
+          <p:cNvSpPr/>
+          <p:nvPr/>
+        </p:nvSpPr>
+        <p:spPr>
+          <a:xfrm>
+            <a:off x="3754417" y="1498878"/>
+            <a:ext cx="7449383" cy="4743502"/>
+          </a:xfrm>
+          <a:prstGeom prst="rect">
+            <a:avLst/>
+          </a:prstGeom>
+          <a:solidFill>
+            <a:schemeClr val="tx1"/>
+          </a:solidFill>
+        </p:spPr>
+        <p:style>
+          <a:lnRef idx="2">
+            <a:schemeClr val="accent1">
+              <a:shade val="15000"/>
+            </a:schemeClr>
+          </a:lnRef>
+          <a:fillRef idx="1">
+            <a:schemeClr val="accent1"/>
+          </a:fillRef>
+          <a:effectRef idx="0">
+            <a:schemeClr val="accent1"/>
+          </a:effectRef>
+          <a:fontRef idx="minor">
+            <a:schemeClr val="lt1"/>
+          </a:fontRef>
+        </p:style>
+        <p:txBody>
+          <a:bodyPr rtlCol="0" anchor="ctr"/>
+          <a:lstStyle/>
+          <a:p>
+            <a:pPr algn="ctr"/>
+            <a:endParaRPr lang="es-CL"/>
+          </a:p>
+        </p:txBody>
+      </p:sp>
+      <p:pic>
+        <p:nvPicPr>
+          <p:cNvPr id="8" name="Imagen 7">
+            <a:extLst>
+              <a:ext uri="{FF2B5EF4-FFF2-40B4-BE49-F238E27FC236}">
+                <a16:creationId xmlns:a16="http://schemas.microsoft.com/office/drawing/2014/main" id="{94F17883-9721-FA17-21A9-73B468D5F48F}"/>
+              </a:ext>
+            </a:extLst>
+          </p:cNvPr>
+          <p:cNvPicPr>
+            <a:picLocks noChangeAspect="1"/>
+          </p:cNvPicPr>
+          <p:nvPr/>
+        </p:nvPicPr>
+        <p:blipFill>
+          <a:blip r:embed="rId3">
+            <a:extLst>
+              <a:ext uri="{28A0092B-C50C-407E-A947-70E740481C1C}">
+                <a14:useLocalDpi xmlns:a14="http://schemas.microsoft.com/office/drawing/2010/main" val="0"/>
+              </a:ext>
+            </a:extLst>
+          </a:blip>
+          <a:srcRect/>
+          <a:stretch/>
+        </p:blipFill>
+        <p:spPr>
+          <a:xfrm>
+            <a:off x="4643031" y="1929007"/>
+            <a:ext cx="3397734" cy="2857186"/>
+          </a:xfrm>
+          <a:prstGeom prst="rect">
+            <a:avLst/>
+          </a:prstGeom>
+        </p:spPr>
+      </p:pic>
+      <p:sp>
+        <p:nvSpPr>
+          <p:cNvPr id="10" name="Título 1">
+            <a:extLst>
+              <a:ext uri="{FF2B5EF4-FFF2-40B4-BE49-F238E27FC236}">
+                <a16:creationId xmlns:a16="http://schemas.microsoft.com/office/drawing/2014/main" id="{1C66CEA6-3625-A97D-559A-DF7B8B6B3738}"/>
+              </a:ext>
+            </a:extLst>
+          </p:cNvPr>
+          <p:cNvSpPr txBox="1">
+            <a:spLocks/>
+          </p:cNvSpPr>
+          <p:nvPr/>
+        </p:nvSpPr>
+        <p:spPr>
+          <a:xfrm>
+            <a:off x="4504648" y="4975225"/>
+            <a:ext cx="3674501" cy="1385142"/>
+          </a:xfrm>
+          <a:prstGeom prst="rect">
+            <a:avLst/>
+          </a:prstGeom>
+        </p:spPr>
+        <p:txBody>
+          <a:bodyPr vert="horz" lIns="91440" tIns="45720" rIns="91440" bIns="45720" rtlCol="0" anchor="t">
+            <a:normAutofit/>
+          </a:bodyPr>
+          <a:lstStyle>
+            <a:lvl1pPr algn="l" defTabSz="914400" rtl="0" eaLnBrk="1" latinLnBrk="0" hangingPunct="1">
+              <a:lnSpc>
+                <a:spcPct val="90000"/>
+              </a:lnSpc>
+              <a:spcBef>
+                <a:spcPct val="0"/>
+              </a:spcBef>
+              <a:buNone/>
+              <a:defRPr sz="4400" kern="1200">
+                <a:solidFill>
+                  <a:schemeClr val="tx1"/>
+                </a:solidFill>
+                <a:latin typeface="+mj-lt"/>
+                <a:ea typeface="+mj-ea"/>
+                <a:cs typeface="+mj-cs"/>
+              </a:defRPr>
+            </a:lvl1pPr>
+          </a:lstStyle>
+          <a:p>
+            <a:r>
+              <a:rPr lang="es-MX" sz="5400" dirty="0" err="1">
+                <a:solidFill>
+                  <a:schemeClr val="bg2"/>
+                </a:solidFill>
+              </a:rPr>
+              <a:t>Competitory</a:t>
+            </a:r>
+            <a:endParaRPr lang="es-CL" sz="5400" dirty="0">
+              <a:solidFill>
+                <a:schemeClr val="bg2"/>
+              </a:solidFill>
+            </a:endParaRPr>
+          </a:p>
+        </p:txBody>
+      </p:sp>
+      <p:pic>
+        <p:nvPicPr>
+          <p:cNvPr id="15" name="Imagen 14">
+            <a:extLst>
+              <a:ext uri="{FF2B5EF4-FFF2-40B4-BE49-F238E27FC236}">
+                <a16:creationId xmlns:a16="http://schemas.microsoft.com/office/drawing/2014/main" id="{F2585245-8ED5-8ECA-1E19-4319615F40B5}"/>
+              </a:ext>
+            </a:extLst>
+          </p:cNvPr>
+          <p:cNvPicPr>
+            <a:picLocks noChangeAspect="1"/>
+          </p:cNvPicPr>
+          <p:nvPr/>
+        </p:nvPicPr>
+        <p:blipFill>
+          <a:blip r:embed="rId4">
+            <a:extLst>
+              <a:ext uri="{28A0092B-C50C-407E-A947-70E740481C1C}">
+                <a14:useLocalDpi xmlns:a14="http://schemas.microsoft.com/office/drawing/2010/main" val="0"/>
+              </a:ext>
+            </a:extLst>
+          </a:blip>
+          <a:stretch>
+            <a:fillRect/>
+          </a:stretch>
+        </p:blipFill>
+        <p:spPr>
+          <a:xfrm>
+            <a:off x="8691028" y="1555010"/>
+            <a:ext cx="2309679" cy="4684522"/>
+          </a:xfrm>
+          <a:prstGeom prst="rect">
+            <a:avLst/>
+          </a:prstGeom>
+        </p:spPr>
+      </p:pic>
+    </p:spTree>
+    <p:extLst>
+      <p:ext uri="{BB962C8B-B14F-4D97-AF65-F5344CB8AC3E}">
+        <p14:creationId xmlns:p14="http://schemas.microsoft.com/office/powerpoint/2010/main" val="2300878280"/>
+      </p:ext>
+    </p:extLst>
+  </p:cSld>
+  <p:clrMapOvr>
+    <a:masterClrMapping/>
+  </p:clrMapOvr>
+</p:sld>
+</file>
+
+<file path=ppt/slides/slide4.xml><?xml version="1.0" encoding="utf-8"?>
+<p:sld xmlns:a="http://schemas.openxmlformats.org/drawingml/2006/main" xmlns:r="http://schemas.openxmlformats.org/officeDocument/2006/relationships" xmlns:p="http://schemas.openxmlformats.org/presentationml/2006/main">
+  <p:cSld>
+    <p:bg>
+      <p:bgPr>
+        <a:solidFill>
           <a:schemeClr val="bg2"/>
         </a:solidFill>
         <a:effectLst/>
@@ -25936,7 +26915,7 @@
                 <a:ea typeface="ADLaM Display" panose="02010000000000000000" pitchFamily="2" charset="0"/>
                 <a:cs typeface="ADLaM Display" panose="02010000000000000000" pitchFamily="2" charset="0"/>
               </a:rPr>
-              <a:t>Lógica nueva de la </a:t>
+              <a:t>Lógica de la </a:t>
             </a:r>
             <a:r>
               <a:rPr lang="es-CL" sz="3600" noProof="0" dirty="0">
@@ -26085,7 +27064,7 @@
         <p:spPr bwMode="auto">
           <a:xfrm>
             <a:off x="1159976" y="2148856"/>
-            <a:ext cx="8624102" cy="1568320"/>
+            <a:ext cx="3875392" cy="1568320"/>
           </a:xfrm>
           <a:prstGeom prst="rect">
             <a:avLst/>
@@ -26146,7 +27125,7 @@
               <a:defRPr/>
             </a:pPr>
             <a:r>
-              <a:rPr lang="es-CL" sz="1600" spc="-150" dirty="0">
+              <a:rPr lang="es-CL" sz="1600" spc="-150" noProof="0" dirty="0" err="1">
                 <a:solidFill>
                   <a:schemeClr val="bg1"/>
                 </a:solidFill>
@@ -26154,16 +27133,19 @@
                 <a:ea typeface="Open Sans" panose="020B0606030504020204" pitchFamily="34" charset="0"/>
                 <a:cs typeface="Open Sans" panose="020B0606030504020204" pitchFamily="34" charset="0"/>
               </a:rPr>
-              <a:t>Pruebas unitarias</a:t>
-            </a:r>
-            <a:endParaRPr lang="es-CL" sz="1600" spc="-150" noProof="0" dirty="0">
-              <a:solidFill>
-                <a:schemeClr val="bg1"/>
-              </a:solidFill>
-              <a:latin typeface="Calibri" panose="020F0502020204030204"/>
-              <a:ea typeface="Open Sans" panose="020B0606030504020204" pitchFamily="34" charset="0"/>
-              <a:cs typeface="Open Sans" panose="020B0606030504020204" pitchFamily="34" charset="0"/>
-            </a:endParaRPr>
+              <a:t>Ionic</a:t>
+            </a:r>
+            <a:r>
+              <a:rPr lang="es-CL" sz="1600" spc="-150" noProof="0" dirty="0">
+                <a:solidFill>
+                  <a:schemeClr val="bg1"/>
+                </a:solidFill>
+                <a:latin typeface="Calibri" panose="020F0502020204030204"/>
+                <a:ea typeface="Open Sans" panose="020B0606030504020204" pitchFamily="34" charset="0"/>
+                <a:cs typeface="Open Sans" panose="020B0606030504020204" pitchFamily="34" charset="0"/>
+              </a:rPr>
+              <a:t> Framework                                                                   </a:t>
+            </a:r>
           </a:p>
           <a:p>
             <a:pPr marL="285750" lvl="0" indent="-285750" defTabSz="360000">
@@ -26175,7 +27157,7 @@
               <a:defRPr/>
             </a:pPr>
             <a:r>
-              <a:rPr lang="es-CL" sz="1600" spc="-150" dirty="0">
+              <a:rPr lang="es-CL" sz="1600" spc="-150" noProof="0" dirty="0">
                 <a:solidFill>
                   <a:schemeClr val="bg1"/>
                 </a:solidFill>
@@ -26183,82 +27165,8 @@
                 <a:ea typeface="Open Sans" panose="020B0606030504020204" pitchFamily="34" charset="0"/>
                 <a:cs typeface="Open Sans" panose="020B0606030504020204" pitchFamily="34" charset="0"/>
               </a:rPr>
-              <a:t>Pruebas </a:t>
-            </a:r>
-            <a:r>
-              <a:rPr lang="es-CL" sz="1600" spc="-150" dirty="0" err="1">
-                <a:solidFill>
-                  <a:schemeClr val="bg1"/>
-                </a:solidFill>
-                <a:latin typeface="Calibri" panose="020F0502020204030204"/>
-                <a:ea typeface="Open Sans" panose="020B0606030504020204" pitchFamily="34" charset="0"/>
-                <a:cs typeface="Open Sans" panose="020B0606030504020204" pitchFamily="34" charset="0"/>
-              </a:rPr>
-              <a:t>end</a:t>
-            </a:r>
-            <a:r>
-              <a:rPr lang="es-CL" sz="1600" spc="-150" dirty="0">
-                <a:solidFill>
-                  <a:schemeClr val="bg1"/>
-                </a:solidFill>
-                <a:latin typeface="Calibri" panose="020F0502020204030204"/>
-                <a:ea typeface="Open Sans" panose="020B0606030504020204" pitchFamily="34" charset="0"/>
-                <a:cs typeface="Open Sans" panose="020B0606030504020204" pitchFamily="34" charset="0"/>
-              </a:rPr>
-              <a:t> </a:t>
-            </a:r>
-            <a:r>
-              <a:rPr lang="es-CL" sz="1600" spc="-150" dirty="0" err="1">
-                <a:solidFill>
-                  <a:schemeClr val="bg1"/>
-                </a:solidFill>
-                <a:latin typeface="Calibri" panose="020F0502020204030204"/>
-                <a:ea typeface="Open Sans" panose="020B0606030504020204" pitchFamily="34" charset="0"/>
-                <a:cs typeface="Open Sans" panose="020B0606030504020204" pitchFamily="34" charset="0"/>
-              </a:rPr>
-              <a:t>to</a:t>
-            </a:r>
-            <a:r>
-              <a:rPr lang="es-CL" sz="1600" spc="-150" dirty="0">
-                <a:solidFill>
-                  <a:schemeClr val="bg1"/>
-                </a:solidFill>
-                <a:latin typeface="Calibri" panose="020F0502020204030204"/>
-                <a:ea typeface="Open Sans" panose="020B0606030504020204" pitchFamily="34" charset="0"/>
-                <a:cs typeface="Open Sans" panose="020B0606030504020204" pitchFamily="34" charset="0"/>
-              </a:rPr>
-              <a:t> </a:t>
-            </a:r>
-            <a:r>
-              <a:rPr lang="es-CL" sz="1600" spc="-150" dirty="0" err="1">
-                <a:solidFill>
-                  <a:schemeClr val="bg1"/>
-                </a:solidFill>
-                <a:latin typeface="Calibri" panose="020F0502020204030204"/>
-                <a:ea typeface="Open Sans" panose="020B0606030504020204" pitchFamily="34" charset="0"/>
-                <a:cs typeface="Open Sans" panose="020B0606030504020204" pitchFamily="34" charset="0"/>
-              </a:rPr>
-              <a:t>end</a:t>
-            </a:r>
-            <a:r>
-              <a:rPr lang="es-CL" sz="1600" spc="-150" dirty="0">
-                <a:solidFill>
-                  <a:schemeClr val="bg1"/>
-                </a:solidFill>
-                <a:latin typeface="Calibri" panose="020F0502020204030204"/>
-                <a:ea typeface="Open Sans" panose="020B0606030504020204" pitchFamily="34" charset="0"/>
-                <a:cs typeface="Open Sans" panose="020B0606030504020204" pitchFamily="34" charset="0"/>
-              </a:rPr>
-              <a:t> (E2E)</a:t>
-            </a:r>
-            <a:endParaRPr lang="es-CL" sz="1600" spc="-150" noProof="0" dirty="0">
-              <a:solidFill>
-                <a:schemeClr val="bg1"/>
-              </a:solidFill>
-              <a:latin typeface="Calibri" panose="020F0502020204030204"/>
-              <a:ea typeface="Open Sans" panose="020B0606030504020204" pitchFamily="34" charset="0"/>
-              <a:cs typeface="Open Sans" panose="020B0606030504020204" pitchFamily="34" charset="0"/>
-            </a:endParaRPr>
+              <a:t>Base de datos en SQLite</a:t>
+            </a:r>
           </a:p>
           <a:p>
             <a:pPr marL="285750" marR="0" lvl="0" indent="-285750" algn="l" defTabSz="360000" rtl="0" eaLnBrk="1" fontAlgn="auto" latinLnBrk="0" hangingPunct="1">
@@ -26279,6 +27187,47 @@
               <a:defRPr/>
             </a:pPr>
             <a:r>
+              <a:rPr lang="es-CL" sz="1600" spc="-150" dirty="0">
+                <a:solidFill>
+                  <a:schemeClr val="bg1"/>
+                </a:solidFill>
+                <a:latin typeface="Calibri" panose="020F0502020204030204"/>
+                <a:ea typeface="Open Sans" panose="020B0606030504020204" pitchFamily="34" charset="0"/>
+                <a:cs typeface="Open Sans" panose="020B0606030504020204" pitchFamily="34" charset="0"/>
+              </a:rPr>
+              <a:t>Uso de API para carga de datos</a:t>
+            </a:r>
+          </a:p>
+          <a:p>
+            <a:pPr marL="285750" marR="0" lvl="0" indent="-285750" algn="l" defTabSz="360000" rtl="0" eaLnBrk="1" fontAlgn="auto" latinLnBrk="0" hangingPunct="1">
+              <a:lnSpc>
+                <a:spcPct val="150000"/>
+              </a:lnSpc>
+              <a:spcBef>
+                <a:spcPts val="0"/>
+              </a:spcBef>
+              <a:spcAft>
+                <a:spcPts val="0"/>
+              </a:spcAft>
+              <a:buClrTx/>
+              <a:buSzTx/>
+              <a:buFontTx/>
+              <a:buChar char="-"/>
+              <a:tabLst/>
+              <a:defRPr/>
+            </a:pPr>
+            <a:r>
+              <a:rPr lang="es-CL" sz="1600" spc="-150" noProof="0" dirty="0" err="1">
+                <a:solidFill>
+                  <a:schemeClr val="bg1"/>
+                </a:solidFill>
+                <a:latin typeface="Calibri" panose="020F0502020204030204"/>
+                <a:ea typeface="Open Sans" panose="020B0606030504020204" pitchFamily="34" charset="0"/>
+                <a:cs typeface="Open Sans" panose="020B0606030504020204" pitchFamily="34" charset="0"/>
+              </a:rPr>
+              <a:t>Authguard</a:t>
+            </a:r>
+            <a:r>
               <a:rPr lang="es-CL" sz="1600" spc="-150" noProof="0" dirty="0">
                 <a:solidFill>
                   <a:schemeClr val="bg1"/>
@@ -26287,7 +27236,7 @@
                 <a:ea typeface="Open Sans" panose="020B0606030504020204" pitchFamily="34" charset="0"/>
                 <a:cs typeface="Open Sans" panose="020B0606030504020204" pitchFamily="34" charset="0"/>
               </a:rPr>
-              <a:t>Firma APK</a:t>
+              <a:t> y otros servicios</a:t>
             </a:r>
           </a:p>
           <a:p>
@@ -26765,6 +27714,17 @@
               <a:defRPr/>
             </a:pPr>
             <a:r>
+              <a:rPr lang="es-CL" sz="1600" noProof="0" dirty="0" err="1">
+                <a:solidFill>
+                  <a:schemeClr val="bg1"/>
+                </a:solidFill>
+                <a:latin typeface="Calibri" panose="020F0502020204030204"/>
+                <a:ea typeface="Open Sans" panose="020B0606030504020204" pitchFamily="34" charset="0"/>
+                <a:cs typeface="Open Sans" panose="020B0606030504020204" pitchFamily="34" charset="0"/>
+              </a:rPr>
+              <a:t>Ionic</a:t>
+            </a:r>
+            <a:r>
               <a:rPr lang="es-CL" sz="1600" noProof="0" dirty="0">
                 <a:solidFill>
                   <a:schemeClr val="bg1"/>
@@ -26773,18 +27733,7 @@
                 <a:ea typeface="Open Sans" panose="020B0606030504020204" pitchFamily="34" charset="0"/>
                 <a:cs typeface="Open Sans" panose="020B0606030504020204" pitchFamily="34" charset="0"/>
               </a:rPr>
-              <a:t>Pruebas unitarias &gt; Pruebas de lógica a la APP para probar su estructura y </a:t>
-            </a:r>
-            <a:r>
-              <a:rPr lang="es-CL" sz="1600" noProof="0" dirty="0" err="1">
-                <a:solidFill>
-                  <a:schemeClr val="bg1"/>
-                </a:solidFill>
-                <a:latin typeface="Calibri" panose="020F0502020204030204"/>
-                <a:ea typeface="Open Sans" panose="020B0606030504020204" pitchFamily="34" charset="0"/>
-                <a:cs typeface="Open Sans" panose="020B0606030504020204" pitchFamily="34" charset="0"/>
-              </a:rPr>
-              <a:t>routing</a:t>
+              <a:t> Framework &gt; Framework para crear aplicaciones multiplataformas</a:t>
             </a:r>
             <a:endParaRPr kumimoji="0" lang="es-CL" sz="1600" b="0" i="0" u="none" strike="noStrike" kern="1200" cap="none" spc="0" normalizeH="0" baseline="0" noProof="0" dirty="0">
               <a:ln>
@@ -26819,7 +27768,7 @@
                 <a:ea typeface="Open Sans" panose="020B0606030504020204" pitchFamily="34" charset="0"/>
                 <a:cs typeface="Open Sans" panose="020B0606030504020204" pitchFamily="34" charset="0"/>
               </a:rPr>
-              <a:t>Pruebas E2E &gt; Pruebas funcionales a la app para ver el funcionamiento de esta en uso</a:t>
+              <a:t>Base de datos en SQLite &gt; Almacenar datos de una manera sencilla </a:t>
             </a:r>
           </a:p>
           <a:p>
@@ -26840,7 +27789,28 @@
                 <a:ea typeface="Open Sans" panose="020B0606030504020204" pitchFamily="34" charset="0"/>
                 <a:cs typeface="Open Sans" panose="020B0606030504020204" pitchFamily="34" charset="0"/>
               </a:rPr>
-              <a:t>Firma APK &gt; Creación de APK para futura descarga </a:t>
+              <a:t>API &gt; Cargar datos de otros dominios para simular mejor el uso de la aplicación </a:t>
+            </a:r>
+          </a:p>
+          <a:p>
+            <a:pPr marL="285750" lvl="0" indent="-285750" defTabSz="360000">
+              <a:lnSpc>
+                <a:spcPct val="150000"/>
+              </a:lnSpc>
+              <a:buFontTx/>
+              <a:buChar char="-"/>
+              <a:defRPr/>
+            </a:pPr>
+            <a:r>
+              <a:rPr lang="es-CL" sz="1600" dirty="0">
+                <a:solidFill>
+                  <a:schemeClr val="bg1"/>
+                </a:solidFill>
+                <a:latin typeface="Calibri" panose="020F0502020204030204"/>
+                <a:ea typeface="Open Sans" panose="020B0606030504020204" pitchFamily="34" charset="0"/>
+                <a:cs typeface="Open Sans" panose="020B0606030504020204" pitchFamily="34" charset="0"/>
+              </a:rPr>
+              <a:t>Servicios varios &gt; Ayudar a la seguridad e implementar nuevas funciones en la app </a:t>
             </a:r>
             <a:endParaRPr kumimoji="0" lang="es-CL" sz="1442" b="0" i="0" u="none" strike="noStrike" kern="1200" cap="none" spc="0" normalizeH="0" baseline="0" noProof="0" dirty="0">
               <a:ln>
@@ -27176,60 +28146,6 @@
           </a:p>
         </p:txBody>
       </p:sp>
-      <p:sp>
-        <p:nvSpPr>
-          <p:cNvPr id="8" name="Rectángulo 7">
-            <a:extLst>
-              <a:ext uri="{FF2B5EF4-FFF2-40B4-BE49-F238E27FC236}">
-                <a16:creationId xmlns:a16="http://schemas.microsoft.com/office/drawing/2014/main" id="{A43D602A-B96A-A07D-50B2-5798114C8B42}"/>
-              </a:ext>
-            </a:extLst>
-          </p:cNvPr>
-          <p:cNvSpPr/>
-          <p:nvPr/>
-        </p:nvSpPr>
-        <p:spPr>
-          <a:xfrm>
-            <a:off x="9135649" y="2485710"/>
-            <a:ext cx="1269607" cy="650328"/>
-          </a:xfrm>
-          <a:prstGeom prst="rect">
-            <a:avLst/>
-          </a:prstGeom>
-          <a:solidFill>
-            <a:schemeClr val="bg1"/>
-          </a:solidFill>
-          <a:ln>
-            <a:solidFill>
-              <a:schemeClr val="bg1"/>
-            </a:solidFill>
-          </a:ln>
-        </p:spPr>
-        <p:style>
-          <a:lnRef idx="2">
-            <a:schemeClr val="accent1">
-              <a:shade val="15000"/>
-            </a:schemeClr>
-          </a:lnRef>
-          <a:fillRef idx="1">
-            <a:schemeClr val="accent1"/>
-          </a:fillRef>
-          <a:effectRef idx="0">
-            <a:schemeClr val="accent1"/>
-          </a:effectRef>
-          <a:fontRef idx="minor">
-            <a:schemeClr val="lt1"/>
-          </a:fontRef>
-        </p:style>
-        <p:txBody>
-          <a:bodyPr rtlCol="0" anchor="ctr"/>
-          <a:lstStyle/>
-          <a:p>
-            <a:pPr algn="ctr"/>
-            <a:endParaRPr lang="es-CL"/>
-          </a:p>
-        </p:txBody>
-      </p:sp>
       <p:pic>
         <p:nvPicPr>
           <p:cNvPr id="10" name="Imagen 9">
@@ -27268,10 +28184,10 @@
       </p:pic>
       <p:pic>
         <p:nvPicPr>
-          <p:cNvPr id="27" name="Gráfico 26">
+          <p:cNvPr id="9" name="Imagen 8" descr="Logotipo, nombre de la empresa&#10;&#10;El contenido generado por IA puede ser incorrecto.">
             <a:extLst>
               <a:ext uri="{FF2B5EF4-FFF2-40B4-BE49-F238E27FC236}">
-                <a16:creationId xmlns:a16="http://schemas.microsoft.com/office/drawing/2014/main" id="{C9CEBD61-9ACD-227A-8FF3-51766167E694}"/>
+                <a16:creationId xmlns:a16="http://schemas.microsoft.com/office/drawing/2014/main" id="{E3A2C30F-E49A-599C-74E1-46C7EE4E36E7}"/>
               </a:ext>
             </a:extLst>
           </p:cNvPr>
@@ -27283,8 +28199,8 @@
         <p:blipFill>
           <a:blip r:embed="rId9">
             <a:extLst>
-              <a:ext uri="{96DAC541-7B7A-43D3-8B79-37D633B846F1}">
-                <asvg:svgBlip xmlns:asvg="http://schemas.microsoft.com/office/drawing/2016/SVG/main" r:embed="rId10"/>
+              <a:ext uri="{28A0092B-C50C-407E-A947-70E740481C1C}">
+                <a14:useLocalDpi xmlns:a14="http://schemas.microsoft.com/office/drawing/2010/main" val="0"/>
               </a:ext>
             </a:extLst>
           </a:blip>
@@ -27294,8 +28210,8 @@
         </p:blipFill>
         <p:spPr>
           <a:xfrm>
-            <a:off x="9124833" y="2607057"/>
-            <a:ext cx="1269608" cy="421295"/>
+            <a:off x="9059866" y="2471374"/>
+            <a:ext cx="1322885" cy="706946"/>
           </a:xfrm>
           <a:prstGeom prst="rect">
             <a:avLst/>
@@ -27315,7 +28231,7 @@
 </p:sld>
 </file>
 
-<file path=ppt/slides/slide4.xml><?xml version="1.0" encoding="utf-8"?>
+<file path=ppt/slides/slide5.xml><?xml version="1.0" encoding="utf-8"?>
 <p:sld xmlns:a="http://schemas.openxmlformats.org/drawingml/2006/main" xmlns:r="http://schemas.openxmlformats.org/officeDocument/2006/relationships" xmlns:p="http://schemas.openxmlformats.org/presentationml/2006/main">
   <p:cSld>
     <p:bg>
@@ -27472,27 +28388,8 @@
                 <a:ea typeface="ADLaM Display" panose="02010000000000000000" pitchFamily="2" charset="0"/>
                 <a:cs typeface="ADLaM Display" panose="02010000000000000000" pitchFamily="2" charset="0"/>
               </a:rPr>
-              <a:t>Implementación </a:t>
-            </a:r>
-            <a:r>
-              <a:rPr lang="es-CL" sz="3600" dirty="0">
-                <a:solidFill>
-                  <a:schemeClr val="bg2"/>
-                </a:solidFill>
-                <a:latin typeface="Abadi" panose="020F0502020204030204" pitchFamily="34" charset="0"/>
-                <a:ea typeface="ADLaM Display" panose="02010000000000000000" pitchFamily="2" charset="0"/>
-                <a:cs typeface="ADLaM Display" panose="02010000000000000000" pitchFamily="2" charset="0"/>
-              </a:rPr>
-              <a:t>hasta ahora</a:t>
-            </a:r>
-            <a:endParaRPr lang="es-CL" sz="3600" noProof="0" dirty="0">
-              <a:solidFill>
-                <a:schemeClr val="bg2"/>
-              </a:solidFill>
-              <a:latin typeface="Abadi" panose="020F0502020204030204" pitchFamily="34" charset="0"/>
-              <a:ea typeface="ADLaM Display" panose="02010000000000000000" pitchFamily="2" charset="0"/>
-              <a:cs typeface="ADLaM Display" panose="02010000000000000000" pitchFamily="2" charset="0"/>
-            </a:endParaRPr>
+              <a:t>Implementación</a:t>
+            </a:r>
           </a:p>
         </p:txBody>
       </p:sp>
@@ -28308,7 +29205,7 @@
 </p:sld>
 </file>
 
-<file path=ppt/slides/slide5.xml><?xml version="1.0" encoding="utf-8"?>
+<file path=ppt/slides/slide6.xml><?xml version="1.0" encoding="utf-8"?>
 <p:sld xmlns:a="http://schemas.openxmlformats.org/drawingml/2006/main" xmlns:r="http://schemas.openxmlformats.org/officeDocument/2006/relationships" xmlns:p="http://schemas.openxmlformats.org/presentationml/2006/main">
   <p:cSld>
     <p:bg>
@@ -28353,8 +29250,8 @@
         </p:nvSpPr>
         <p:spPr>
           <a:xfrm>
-            <a:off x="3350652" y="1622757"/>
-            <a:ext cx="8516062" cy="4081467"/>
+            <a:off x="2711556" y="1404353"/>
+            <a:ext cx="9136722" cy="4956014"/>
           </a:xfrm>
           <a:prstGeom prst="rect">
             <a:avLst/>
@@ -28741,7 +29638,7 @@
         <p:spPr bwMode="auto">
           <a:xfrm>
             <a:off x="343722" y="1622757"/>
-            <a:ext cx="2777635" cy="4081466"/>
+            <a:ext cx="2209329" cy="4081466"/>
           </a:xfrm>
           <a:prstGeom prst="rect">
             <a:avLst/>
@@ -28802,23 +29699,6 @@
               <a:defRPr/>
             </a:pPr>
             <a:r>
-              <a:rPr kumimoji="0" lang="es-CL" sz="1600" b="0" i="0" u="none" strike="noStrike" kern="1200" cap="none" spc="-150" normalizeH="0" baseline="0" noProof="0" dirty="0" err="1">
-                <a:ln>
-                  <a:noFill/>
-                </a:ln>
-                <a:solidFill>
-                  <a:srgbClr val="E8E8E8"/>
-                </a:solidFill>
-                <a:effectLst/>
-                <a:uLnTx/>
-                <a:uFillTx/>
-                <a:latin typeface="Calibri" panose="020F0502020204030204"/>
-                <a:ea typeface="Open Sans" panose="020B0606030504020204" pitchFamily="34" charset="0"/>
-                <a:cs typeface="Open Sans" panose="020B0606030504020204" pitchFamily="34" charset="0"/>
-              </a:rPr>
-              <a:t>Contrasena</a:t>
-            </a:r>
-            <a:r>
               <a:rPr kumimoji="0" lang="es-CL" sz="1600" b="0" i="0" u="none" strike="noStrike" kern="1200" cap="none" spc="-150" normalizeH="0" baseline="0" noProof="0" dirty="0">
                 <a:ln>
                   <a:noFill/>
@@ -28833,7 +29713,7 @@
                 <a:ea typeface="Open Sans" panose="020B0606030504020204" pitchFamily="34" charset="0"/>
                 <a:cs typeface="Open Sans" panose="020B0606030504020204" pitchFamily="34" charset="0"/>
               </a:rPr>
-              <a:t>: </a:t>
+              <a:t>Contraseña: </a:t>
             </a:r>
             <a:r>
               <a:rPr kumimoji="0" lang="es-CL" sz="1600" b="0" i="0" u="none" strike="noStrike" kern="1200" cap="none" spc="-150" normalizeH="0" baseline="0" noProof="0" dirty="0" err="1">
@@ -28894,8 +29774,27 @@
                 <a:ea typeface="Open Sans" panose="020B0606030504020204" pitchFamily="34" charset="0"/>
                 <a:cs typeface="Open Sans" panose="020B0606030504020204" pitchFamily="34" charset="0"/>
               </a:rPr>
-              <a:t>Key alias: Key</a:t>
-            </a:r>
+              <a:t>Key alias:  </a:t>
+            </a:r>
+            <a:r>
+              <a:rPr lang="es-CL" sz="1600" spc="-150" dirty="0" err="1">
+                <a:solidFill>
+                  <a:srgbClr val="E8E8E8"/>
+                </a:solidFill>
+                <a:latin typeface="Calibri" panose="020F0502020204030204"/>
+                <a:ea typeface="Open Sans" panose="020B0606030504020204" pitchFamily="34" charset="0"/>
+                <a:cs typeface="Open Sans" panose="020B0606030504020204" pitchFamily="34" charset="0"/>
+              </a:rPr>
+              <a:t>Competitory</a:t>
+            </a:r>
+            <a:endParaRPr lang="es-CL" sz="1600" spc="-150" dirty="0">
+              <a:solidFill>
+                <a:srgbClr val="E8E8E8"/>
+              </a:solidFill>
+              <a:latin typeface="Calibri" panose="020F0502020204030204"/>
+              <a:ea typeface="Open Sans" panose="020B0606030504020204" pitchFamily="34" charset="0"/>
+              <a:cs typeface="Open Sans" panose="020B0606030504020204" pitchFamily="34" charset="0"/>
+            </a:endParaRPr>
           </a:p>
           <a:p>
             <a:pPr marL="285750" marR="0" lvl="0" indent="-285750" algn="l" defTabSz="360000" rtl="0" eaLnBrk="1" fontAlgn="auto" latinLnBrk="0" hangingPunct="1">
@@ -28948,6 +29847,50 @@
                 <a:cs typeface="Open Sans" panose="020B0606030504020204" pitchFamily="34" charset="0"/>
               </a:rPr>
               <a:t>Competitory</a:t>
+            </a:r>
+            <a:endParaRPr kumimoji="0" lang="es-CL" sz="1600" b="0" i="0" u="none" strike="noStrike" kern="1200" cap="none" spc="-150" normalizeH="0" baseline="0" noProof="0" dirty="0">
+              <a:ln>
+                <a:noFill/>
+              </a:ln>
+              <a:solidFill>
+                <a:srgbClr val="E8E8E8"/>
+              </a:solidFill>
+              <a:effectLst/>
+              <a:uLnTx/>
+              <a:uFillTx/>
+              <a:latin typeface="Calibri" panose="020F0502020204030204"/>
+              <a:ea typeface="Open Sans" panose="020B0606030504020204" pitchFamily="34" charset="0"/>
+              <a:cs typeface="Open Sans" panose="020B0606030504020204" pitchFamily="34" charset="0"/>
+            </a:endParaRPr>
+          </a:p>
+          <a:p>
+            <a:pPr marL="285750" marR="0" lvl="0" indent="-285750" algn="l" defTabSz="360000" rtl="0" eaLnBrk="1" fontAlgn="auto" latinLnBrk="0" hangingPunct="1">
+              <a:lnSpc>
+                <a:spcPct val="150000"/>
+              </a:lnSpc>
+              <a:spcBef>
+                <a:spcPts val="0"/>
+              </a:spcBef>
+              <a:spcAft>
+                <a:spcPts val="0"/>
+              </a:spcAft>
+              <a:buClrTx/>
+              <a:buSzTx/>
+              <a:buFontTx/>
+              <a:buChar char="-"/>
+              <a:tabLst/>
+              <a:defRPr/>
+            </a:pPr>
+            <a:r>
+              <a:rPr lang="es-CL" sz="1600" spc="-150" dirty="0">
+                <a:solidFill>
+                  <a:srgbClr val="E8E8E8"/>
+                </a:solidFill>
+                <a:latin typeface="Calibri" panose="020F0502020204030204"/>
+                <a:ea typeface="Open Sans" panose="020B0606030504020204" pitchFamily="34" charset="0"/>
+                <a:cs typeface="Open Sans" panose="020B0606030504020204" pitchFamily="34" charset="0"/>
+              </a:rPr>
+              <a:t>Validad: 25 años </a:t>
             </a:r>
             <a:endParaRPr kumimoji="0" lang="es-CL" sz="1600" b="0" i="0" u="none" strike="noStrike" kern="1200" cap="none" spc="-150" normalizeH="0" baseline="0" noProof="0" dirty="0">
               <a:ln>
@@ -29059,8 +30002,44 @@
         </p:blipFill>
         <p:spPr>
           <a:xfrm>
-            <a:off x="5069275" y="1846436"/>
-            <a:ext cx="5078815" cy="3634107"/>
+            <a:off x="3093772" y="1684992"/>
+            <a:ext cx="4064892" cy="4470002"/>
+          </a:xfrm>
+          <a:prstGeom prst="rect">
+            <a:avLst/>
+          </a:prstGeom>
+        </p:spPr>
+      </p:pic>
+      <p:pic>
+        <p:nvPicPr>
+          <p:cNvPr id="4" name="Imagen 3">
+            <a:extLst>
+              <a:ext uri="{FF2B5EF4-FFF2-40B4-BE49-F238E27FC236}">
+                <a16:creationId xmlns:a16="http://schemas.microsoft.com/office/drawing/2014/main" id="{27CC3B03-D1F3-6A1B-D29E-1818A77C58B0}"/>
+              </a:ext>
+            </a:extLst>
+          </p:cNvPr>
+          <p:cNvPicPr>
+            <a:picLocks noChangeAspect="1"/>
+          </p:cNvPicPr>
+          <p:nvPr/>
+        </p:nvPicPr>
+        <p:blipFill>
+          <a:blip r:embed="rId4">
+            <a:extLst>
+              <a:ext uri="{28A0092B-C50C-407E-A947-70E740481C1C}">
+                <a14:useLocalDpi xmlns:a14="http://schemas.microsoft.com/office/drawing/2010/main" val="0"/>
+              </a:ext>
+            </a:extLst>
+          </a:blip>
+          <a:stretch>
+            <a:fillRect/>
+          </a:stretch>
+        </p:blipFill>
+        <p:spPr>
+          <a:xfrm>
+            <a:off x="7317169" y="1684992"/>
+            <a:ext cx="4137412" cy="4470002"/>
           </a:xfrm>
           <a:prstGeom prst="rect">
             <a:avLst/>
@@ -29080,7 +30059,7 @@
 </p:sld>
 </file>
 
-<file path=ppt/slides/slide6.xml><?xml version="1.0" encoding="utf-8"?>
+<file path=ppt/slides/slide7.xml><?xml version="1.0" encoding="utf-8"?>
 <p:sld xmlns:a="http://schemas.openxmlformats.org/drawingml/2006/main" xmlns:r="http://schemas.openxmlformats.org/officeDocument/2006/relationships" xmlns:p="http://schemas.openxmlformats.org/presentationml/2006/main">
   <p:cSld>
     <p:bg>
@@ -29439,32 +30418,10 @@
               <a:defRPr/>
             </a:pPr>
             <a:r>
-              <a:rPr kumimoji="0" lang="es-CL" sz="1800" b="0" i="1" u="none" strike="noStrike" kern="1200" cap="none" spc="0" normalizeH="0" baseline="0" noProof="0" dirty="0">
-                <a:ln>
-                  <a:noFill/>
-                </a:ln>
-                <a:effectLst/>
-                <a:uLnTx/>
-                <a:uFillTx/>
+              <a:rPr lang="es-CL" i="1" dirty="0">
                 <a:latin typeface="Calibri" panose="020F0502020204030204"/>
-                <a:ea typeface="+mn-ea"/>
-                <a:cs typeface="+mn-cs"/>
               </a:rPr>
-              <a:t>Las pruebas unitarias fallan si se utiliza </a:t>
-            </a:r>
-            <a:r>
-              <a:rPr kumimoji="0" lang="es-CL" sz="1800" b="0" i="1" u="none" strike="noStrike" kern="1200" cap="none" spc="0" normalizeH="0" baseline="0" noProof="0" dirty="0" err="1">
-                <a:ln>
-                  <a:noFill/>
-                </a:ln>
-                <a:effectLst/>
-                <a:uLnTx/>
-                <a:uFillTx/>
-                <a:latin typeface="Calibri" panose="020F0502020204030204"/>
-                <a:ea typeface="+mn-ea"/>
-                <a:cs typeface="+mn-cs"/>
-              </a:rPr>
-              <a:t>cypress</a:t>
+              <a:t>En la carpeta KEY se encuentra la APK y su firma</a:t>
             </a:r>
             <a:r>
               <a:rPr kumimoji="0" lang="es-CL" sz="1800" b="0" i="1" u="none" strike="noStrike" kern="1200" cap="none" spc="0" normalizeH="0" baseline="0" noProof="0" dirty="0">
@@ -30257,7 +31214,7 @@
 </p:sld>
 </file>
 
-<file path=ppt/slides/slide7.xml><?xml version="1.0" encoding="utf-8"?>
+<file path=ppt/slides/slide8.xml><?xml version="1.0" encoding="utf-8"?>
 <p:sld xmlns:a="http://schemas.openxmlformats.org/drawingml/2006/main" xmlns:r="http://schemas.openxmlformats.org/officeDocument/2006/relationships" xmlns:p="http://schemas.openxmlformats.org/presentationml/2006/main">
   <p:cSld>
     <p:spTree>
@@ -30350,7 +31307,7 @@
         <p:spPr>
           <a:xfrm>
             <a:off x="1405229" y="2768395"/>
-            <a:ext cx="8241102" cy="2352952"/>
+            <a:ext cx="8241102" cy="2813206"/>
           </a:xfrm>
           <a:prstGeom prst="rect">
             <a:avLst/>
@@ -30380,161 +31337,38 @@
               <a:defRPr/>
             </a:pPr>
             <a:r>
-              <a:rPr kumimoji="0" lang="es-CL" sz="2000" b="1" i="0" u="none" strike="noStrike" kern="1200" cap="none" spc="0" normalizeH="0" baseline="0" noProof="0" dirty="0" err="1">
-                <a:ln>
-                  <a:noFill/>
-                </a:ln>
-                <a:solidFill>
-                  <a:prstClr val="white"/>
-                </a:solidFill>
-                <a:effectLst/>
-                <a:uLnTx/>
-                <a:uFillTx/>
-                <a:latin typeface="Calibri" panose="020F0502020204030204"/>
-                <a:ea typeface="Open Sans" panose="020B0606030504020204" pitchFamily="34" charset="0"/>
-                <a:cs typeface="Open Sans" panose="020B0606030504020204" pitchFamily="34" charset="0"/>
+              <a:rPr lang="es-MX" sz="2000" b="1" dirty="0" err="1">
+                <a:latin typeface="Calibri" panose="020F0502020204030204" pitchFamily="34" charset="0"/>
+                <a:ea typeface="Calibri" panose="020F0502020204030204" pitchFamily="34" charset="0"/>
+                <a:cs typeface="Calibri" panose="020F0502020204030204" pitchFamily="34" charset="0"/>
               </a:rPr>
               <a:t>Competitory</a:t>
             </a:r>
             <a:r>
-              <a:rPr kumimoji="0" lang="es-CL" sz="2000" b="1" i="0" u="none" strike="noStrike" kern="1200" cap="none" spc="0" normalizeH="0" baseline="0" noProof="0" dirty="0">
-                <a:ln>
-                  <a:noFill/>
-                </a:ln>
-                <a:solidFill>
-                  <a:prstClr val="white"/>
-                </a:solidFill>
-                <a:effectLst/>
-                <a:uLnTx/>
-                <a:uFillTx/>
-                <a:latin typeface="Calibri" panose="020F0502020204030204"/>
-                <a:ea typeface="Open Sans" panose="020B0606030504020204" pitchFamily="34" charset="0"/>
-                <a:cs typeface="Open Sans" panose="020B0606030504020204" pitchFamily="34" charset="0"/>
+              <a:rPr lang="es-MX" sz="2000" b="1" dirty="0">
+                <a:latin typeface="Calibri" panose="020F0502020204030204" pitchFamily="34" charset="0"/>
+                <a:ea typeface="Calibri" panose="020F0502020204030204" pitchFamily="34" charset="0"/>
+                <a:cs typeface="Calibri" panose="020F0502020204030204" pitchFamily="34" charset="0"/>
               </a:rPr>
-              <a:t> ha logrado ser actualizado con cambios que logran </a:t>
-            </a:r>
-            <a:r>
-              <a:rPr lang="es-CL" sz="2000" b="1" dirty="0">
-                <a:solidFill>
-                  <a:prstClr val="white"/>
-                </a:solidFill>
-                <a:latin typeface="Calibri" panose="020F0502020204030204"/>
-                <a:ea typeface="Open Sans" panose="020B0606030504020204" pitchFamily="34" charset="0"/>
-                <a:cs typeface="Open Sans" panose="020B0606030504020204" pitchFamily="34" charset="0"/>
-              </a:rPr>
-              <a:t>depurar e implementar nuevas funciones rápidamente gracias al agregado de pruebas unitarios y </a:t>
-            </a:r>
-            <a:r>
-              <a:rPr lang="es-CL" sz="2000" b="1" dirty="0" err="1">
-                <a:solidFill>
-                  <a:prstClr val="white"/>
-                </a:solidFill>
-                <a:latin typeface="Calibri" panose="020F0502020204030204"/>
-                <a:ea typeface="Open Sans" panose="020B0606030504020204" pitchFamily="34" charset="0"/>
-                <a:cs typeface="Open Sans" panose="020B0606030504020204" pitchFamily="34" charset="0"/>
-              </a:rPr>
-              <a:t>end</a:t>
-            </a:r>
-            <a:r>
-              <a:rPr lang="es-CL" sz="2000" b="1" dirty="0">
-                <a:solidFill>
-                  <a:prstClr val="white"/>
-                </a:solidFill>
-                <a:latin typeface="Calibri" panose="020F0502020204030204"/>
-                <a:ea typeface="Open Sans" panose="020B0606030504020204" pitchFamily="34" charset="0"/>
-                <a:cs typeface="Open Sans" panose="020B0606030504020204" pitchFamily="34" charset="0"/>
-              </a:rPr>
-              <a:t> </a:t>
-            </a:r>
-            <a:r>
-              <a:rPr lang="es-CL" sz="2000" b="1" dirty="0" err="1">
-                <a:solidFill>
-                  <a:prstClr val="white"/>
-                </a:solidFill>
-                <a:latin typeface="Calibri" panose="020F0502020204030204"/>
-                <a:ea typeface="Open Sans" panose="020B0606030504020204" pitchFamily="34" charset="0"/>
-                <a:cs typeface="Open Sans" panose="020B0606030504020204" pitchFamily="34" charset="0"/>
-              </a:rPr>
-              <a:t>to</a:t>
-            </a:r>
-            <a:r>
-              <a:rPr lang="es-CL" sz="2000" b="1" dirty="0">
-                <a:solidFill>
-                  <a:prstClr val="white"/>
-                </a:solidFill>
-                <a:latin typeface="Calibri" panose="020F0502020204030204"/>
-                <a:ea typeface="Open Sans" panose="020B0606030504020204" pitchFamily="34" charset="0"/>
-                <a:cs typeface="Open Sans" panose="020B0606030504020204" pitchFamily="34" charset="0"/>
-              </a:rPr>
-              <a:t> </a:t>
-            </a:r>
-            <a:r>
-              <a:rPr lang="es-CL" sz="2000" b="1" dirty="0" err="1">
-                <a:solidFill>
-                  <a:prstClr val="white"/>
-                </a:solidFill>
-                <a:latin typeface="Calibri" panose="020F0502020204030204"/>
-                <a:ea typeface="Open Sans" panose="020B0606030504020204" pitchFamily="34" charset="0"/>
-                <a:cs typeface="Open Sans" panose="020B0606030504020204" pitchFamily="34" charset="0"/>
-              </a:rPr>
-              <a:t>end</a:t>
-            </a:r>
-            <a:r>
-              <a:rPr lang="es-CL" sz="2000" b="1" dirty="0">
-                <a:solidFill>
-                  <a:prstClr val="white"/>
-                </a:solidFill>
-                <a:latin typeface="Calibri" panose="020F0502020204030204"/>
-                <a:ea typeface="Open Sans" panose="020B0606030504020204" pitchFamily="34" charset="0"/>
-                <a:cs typeface="Open Sans" panose="020B0606030504020204" pitchFamily="34" charset="0"/>
-              </a:rPr>
-              <a:t> para un rápido </a:t>
-            </a:r>
-            <a:r>
-              <a:rPr lang="es-CL" sz="2000" b="1" dirty="0" err="1">
-                <a:solidFill>
-                  <a:prstClr val="white"/>
-                </a:solidFill>
-                <a:latin typeface="Calibri" panose="020F0502020204030204"/>
-                <a:ea typeface="Open Sans" panose="020B0606030504020204" pitchFamily="34" charset="0"/>
-                <a:cs typeface="Open Sans" panose="020B0606030504020204" pitchFamily="34" charset="0"/>
-              </a:rPr>
-              <a:t>checkeo</a:t>
-            </a:r>
-            <a:r>
-              <a:rPr lang="es-CL" sz="2000" b="1" dirty="0">
-                <a:solidFill>
-                  <a:prstClr val="white"/>
-                </a:solidFill>
-                <a:latin typeface="Calibri" panose="020F0502020204030204"/>
-                <a:ea typeface="Open Sans" panose="020B0606030504020204" pitchFamily="34" charset="0"/>
-                <a:cs typeface="Open Sans" panose="020B0606030504020204" pitchFamily="34" charset="0"/>
-              </a:rPr>
-              <a:t> del funcionamiento de sistemas. Esto mas la firma de la APK hacen de </a:t>
-            </a:r>
-            <a:r>
-              <a:rPr lang="es-CL" sz="2000" b="1" dirty="0" err="1">
-                <a:solidFill>
-                  <a:prstClr val="white"/>
-                </a:solidFill>
-                <a:latin typeface="Calibri" panose="020F0502020204030204"/>
-                <a:ea typeface="Open Sans" panose="020B0606030504020204" pitchFamily="34" charset="0"/>
-                <a:cs typeface="Open Sans" panose="020B0606030504020204" pitchFamily="34" charset="0"/>
+              <a:t> ha cumplido con todos los requisitos establecidos desde el inicio del proyecto: permite la creación de usuarios, el almacenamiento y recuperación de datos, y la integración con servicios como la cámara. Gracias al uso de una base de datos dedicada en SQLite y una arquitectura bien definida, </a:t>
+            </a:r>
+            <a:r>
+              <a:rPr lang="es-MX" sz="2000" b="1" dirty="0" err="1">
+                <a:latin typeface="Calibri" panose="020F0502020204030204" pitchFamily="34" charset="0"/>
+                <a:ea typeface="Calibri" panose="020F0502020204030204" pitchFamily="34" charset="0"/>
+                <a:cs typeface="Calibri" panose="020F0502020204030204" pitchFamily="34" charset="0"/>
               </a:rPr>
               <a:t>Competitory</a:t>
             </a:r>
             <a:r>
-              <a:rPr lang="es-CL" sz="2000" b="1" dirty="0">
-                <a:solidFill>
-                  <a:prstClr val="white"/>
-                </a:solidFill>
-                <a:latin typeface="Calibri" panose="020F0502020204030204"/>
-                <a:ea typeface="Open Sans" panose="020B0606030504020204" pitchFamily="34" charset="0"/>
-                <a:cs typeface="Open Sans" panose="020B0606030504020204" pitchFamily="34" charset="0"/>
+              <a:rPr lang="es-MX" sz="2000" b="1" dirty="0">
+                <a:latin typeface="Calibri" panose="020F0502020204030204" pitchFamily="34" charset="0"/>
+                <a:ea typeface="Calibri" panose="020F0502020204030204" pitchFamily="34" charset="0"/>
+                <a:cs typeface="Calibri" panose="020F0502020204030204" pitchFamily="34" charset="0"/>
               </a:rPr>
-              <a:t> una aplicación cerca de estar completa.</a:t>
-            </a:r>
-            <a:endParaRPr kumimoji="0" lang="es-CL" sz="2000" b="0" i="0" u="none" strike="noStrike" kern="1200" cap="none" spc="0" normalizeH="0" baseline="0" noProof="0" dirty="0">
+              <a:t> se ha consolidado como una aplicación compacta, estable y completamente funcional.</a:t>
+            </a:r>
+            <a:endParaRPr kumimoji="0" lang="es-CL" sz="2000" b="1" i="0" u="none" strike="noStrike" kern="1200" cap="none" spc="0" normalizeH="0" baseline="0" noProof="0" dirty="0">
               <a:ln>
                 <a:noFill/>
               </a:ln>
@@ -30544,196 +31378,13 @@
               <a:effectLst/>
               <a:uLnTx/>
               <a:uFillTx/>
-              <a:latin typeface="Calibri" panose="020F0502020204030204"/>
-              <a:ea typeface="Open Sans" panose="020B0606030504020204" pitchFamily="34" charset="0"/>
-              <a:cs typeface="Open Sans" panose="020B0606030504020204" pitchFamily="34" charset="0"/>
+              <a:latin typeface="Calibri" panose="020F0502020204030204" pitchFamily="34" charset="0"/>
+              <a:ea typeface="Calibri" panose="020F0502020204030204" pitchFamily="34" charset="0"/>
+              <a:cs typeface="Calibri" panose="020F0502020204030204" pitchFamily="34" charset="0"/>
             </a:endParaRPr>
           </a:p>
         </p:txBody>
       </p:sp>
-      <p:grpSp>
-        <p:nvGrpSpPr>
-          <p:cNvPr id="3" name="Grupo 2">
-            <a:extLst>
-              <a:ext uri="{FF2B5EF4-FFF2-40B4-BE49-F238E27FC236}">
-                <a16:creationId xmlns:a16="http://schemas.microsoft.com/office/drawing/2014/main" id="{DDD7C031-6BE2-46D2-A391-B06BB807A3F9}"/>
-              </a:ext>
-            </a:extLst>
-          </p:cNvPr>
-          <p:cNvGrpSpPr/>
-          <p:nvPr/>
-        </p:nvGrpSpPr>
-        <p:grpSpPr>
-          <a:xfrm>
-            <a:off x="11734398" y="142483"/>
-            <a:ext cx="341176" cy="341176"/>
-            <a:chOff x="328030" y="3153016"/>
-            <a:chExt cx="331532" cy="331532"/>
-          </a:xfrm>
-        </p:grpSpPr>
-        <p:sp>
-          <p:nvSpPr>
-            <p:cNvPr id="2" name="Rectángulo: esquinas redondeadas 1">
-              <a:extLst>
-                <a:ext uri="{FF2B5EF4-FFF2-40B4-BE49-F238E27FC236}">
-                  <a16:creationId xmlns:a16="http://schemas.microsoft.com/office/drawing/2014/main" id="{5C4AEBF5-9B29-4CC9-BE6F-BFAA4F296586}"/>
-                </a:ext>
-              </a:extLst>
-            </p:cNvPr>
-            <p:cNvSpPr/>
-            <p:nvPr/>
-          </p:nvSpPr>
-          <p:spPr>
-            <a:xfrm rot="18900000">
-              <a:off x="470936" y="3153016"/>
-              <a:ext cx="45719" cy="331532"/>
-            </a:xfrm>
-            <a:prstGeom prst="roundRect">
-              <a:avLst/>
-            </a:prstGeom>
-            <a:solidFill>
-              <a:schemeClr val="bg1"/>
-            </a:solidFill>
-            <a:ln>
-              <a:noFill/>
-            </a:ln>
-          </p:spPr>
-          <p:style>
-            <a:lnRef idx="2">
-              <a:schemeClr val="accent1">
-                <a:shade val="50000"/>
-              </a:schemeClr>
-            </a:lnRef>
-            <a:fillRef idx="1">
-              <a:schemeClr val="accent1"/>
-            </a:fillRef>
-            <a:effectRef idx="0">
-              <a:schemeClr val="accent1"/>
-            </a:effectRef>
-            <a:fontRef idx="minor">
-              <a:schemeClr val="lt1"/>
-            </a:fontRef>
-          </p:style>
-          <p:txBody>
-            <a:bodyPr rtlCol="0" anchor="ctr"/>
-            <a:lstStyle/>
-            <a:p>
-              <a:pPr marL="0" marR="0" lvl="0" indent="0" algn="ctr" defTabSz="914400" rtl="0" eaLnBrk="1" fontAlgn="auto" latinLnBrk="0" hangingPunct="1">
-                <a:lnSpc>
-                  <a:spcPct val="100000"/>
-                </a:lnSpc>
-                <a:spcBef>
-                  <a:spcPts val="0"/>
-                </a:spcBef>
-                <a:spcAft>
-                  <a:spcPts val="0"/>
-                </a:spcAft>
-                <a:buClrTx/>
-                <a:buSzTx/>
-                <a:buFontTx/>
-                <a:buNone/>
-                <a:tabLst/>
-                <a:defRPr/>
-              </a:pPr>
-              <a:endParaRPr kumimoji="0" lang="es-CL" sz="1800" b="0" i="0" u="none" strike="noStrike" kern="1200" cap="none" spc="0" normalizeH="0" baseline="0" noProof="0" dirty="0">
-                <a:ln>
-                  <a:noFill/>
-                </a:ln>
-                <a:solidFill>
-                  <a:prstClr val="white"/>
-                </a:solidFill>
-                <a:effectLst/>
-                <a:uLnTx/>
-                <a:uFillTx/>
-                <a:latin typeface="Calibri" panose="020F0502020204030204"/>
-                <a:ea typeface="+mn-ea"/>
-                <a:cs typeface="+mn-cs"/>
-              </a:endParaRPr>
-            </a:p>
-          </p:txBody>
-        </p:sp>
-        <p:sp>
-          <p:nvSpPr>
-            <p:cNvPr id="8" name="Rectángulo: esquinas redondeadas 7">
-              <a:extLst>
-                <a:ext uri="{FF2B5EF4-FFF2-40B4-BE49-F238E27FC236}">
-                  <a16:creationId xmlns:a16="http://schemas.microsoft.com/office/drawing/2014/main" id="{4B037754-B71A-4924-871C-5899615CFC22}"/>
-                </a:ext>
-              </a:extLst>
-            </p:cNvPr>
-            <p:cNvSpPr/>
-            <p:nvPr/>
-          </p:nvSpPr>
-          <p:spPr>
-            <a:xfrm rot="13500000">
-              <a:off x="470936" y="3153017"/>
-              <a:ext cx="45719" cy="331532"/>
-            </a:xfrm>
-            <a:prstGeom prst="roundRect">
-              <a:avLst/>
-            </a:prstGeom>
-            <a:solidFill>
-              <a:schemeClr val="bg1"/>
-            </a:solidFill>
-            <a:ln>
-              <a:noFill/>
-            </a:ln>
-          </p:spPr>
-          <p:style>
-            <a:lnRef idx="2">
-              <a:schemeClr val="accent1">
-                <a:shade val="50000"/>
-              </a:schemeClr>
-            </a:lnRef>
-            <a:fillRef idx="1">
-              <a:schemeClr val="accent1"/>
-            </a:fillRef>
-            <a:effectRef idx="0">
-              <a:schemeClr val="accent1"/>
-            </a:effectRef>
-            <a:fontRef idx="minor">
-              <a:schemeClr val="lt1"/>
-            </a:fontRef>
-          </p:style>
-          <p:txBody>
-            <a:bodyPr rtlCol="0" anchor="ctr"/>
-            <a:lstStyle/>
-            <a:p>
-              <a:pPr marL="0" marR="0" lvl="0" indent="0" algn="ctr" defTabSz="914400" rtl="0" eaLnBrk="1" fontAlgn="auto" latinLnBrk="0" hangingPunct="1">
-                <a:lnSpc>
-                  <a:spcPct val="100000"/>
-                </a:lnSpc>
-                <a:spcBef>
-                  <a:spcPts val="0"/>
-                </a:spcBef>
-                <a:spcAft>
-                  <a:spcPts val="0"/>
-                </a:spcAft>
-                <a:buClrTx/>
-                <a:buSzTx/>
-                <a:buFontTx/>
-                <a:buNone/>
-                <a:tabLst/>
-                <a:defRPr/>
-              </a:pPr>
-              <a:endParaRPr kumimoji="0" lang="es-CL" sz="1800" b="0" i="0" u="none" strike="noStrike" kern="1200" cap="none" spc="0" normalizeH="0" baseline="0" noProof="0" dirty="0">
-                <a:ln>
-                  <a:noFill/>
-                </a:ln>
-                <a:solidFill>
-                  <a:prstClr val="white"/>
-                </a:solidFill>
-                <a:effectLst/>
-                <a:uLnTx/>
-                <a:uFillTx/>
-                <a:latin typeface="Calibri" panose="020F0502020204030204"/>
-                <a:ea typeface="+mn-ea"/>
-                <a:cs typeface="+mn-cs"/>
-              </a:endParaRPr>
-            </a:p>
-          </p:txBody>
-        </p:sp>
-      </p:grpSp>
     </p:spTree>
     <p:custDataLst>
       <p:tags r:id="rId1"/>
